--- a/Documentation/Architecture Technique/Architecture-Chaines Devopps.pptx
+++ b/Documentation/Architecture Technique/Architecture-Chaines Devopps.pptx
@@ -6,6 +6,13 @@
   </p:sldMasterIdLst>
   <p:sldIdLst>
     <p:sldId id="256" r:id="rId2"/>
+    <p:sldId id="259" r:id="rId3"/>
+    <p:sldId id="258" r:id="rId4"/>
+    <p:sldId id="260" r:id="rId5"/>
+    <p:sldId id="261" r:id="rId6"/>
+    <p:sldId id="262" r:id="rId7"/>
+    <p:sldId id="263" r:id="rId8"/>
+    <p:sldId id="264" r:id="rId9"/>
   </p:sldIdLst>
   <p:sldSz cx="12192000" cy="6858000"/>
   <p:notesSz cx="6858000" cy="9144000"/>
@@ -274,7 +281,7 @@
             <a:fld id="{938FC91C-8F72-4FC3-9EE1-E00D3E055101}" type="datetimeFigureOut">
               <a:rPr lang="fr-FR" smtClean="0"/>
               <a:pPr/>
-              <a:t>17/11/2019</a:t>
+              <a:t>02/02/2020</a:t>
             </a:fld>
             <a:endParaRPr lang="fr-FR" dirty="0"/>
           </a:p>
@@ -489,7 +496,7 @@
             <a:fld id="{938FC91C-8F72-4FC3-9EE1-E00D3E055101}" type="datetimeFigureOut">
               <a:rPr lang="fr-FR" smtClean="0"/>
               <a:pPr/>
-              <a:t>17/11/2019</a:t>
+              <a:t>02/02/2020</a:t>
             </a:fld>
             <a:endParaRPr lang="fr-FR" dirty="0"/>
           </a:p>
@@ -669,7 +676,7 @@
             <a:fld id="{938FC91C-8F72-4FC3-9EE1-E00D3E055101}" type="datetimeFigureOut">
               <a:rPr lang="fr-FR" smtClean="0"/>
               <a:pPr/>
-              <a:t>17/11/2019</a:t>
+              <a:t>02/02/2020</a:t>
             </a:fld>
             <a:endParaRPr lang="fr-FR" dirty="0"/>
           </a:p>
@@ -784,7 +791,7 @@
           <a:p>
             <a:fld id="{938FC91C-8F72-4FC3-9EE1-E00D3E055101}" type="datetimeFigureOut">
               <a:rPr lang="fr-FR" smtClean="0"/>
-              <a:t>17/11/2019</a:t>
+              <a:t>02/02/2020</a:t>
             </a:fld>
             <a:endParaRPr lang="fr-FR"/>
           </a:p>
@@ -1037,7 +1044,7 @@
           <a:p>
             <a:fld id="{938FC91C-8F72-4FC3-9EE1-E00D3E055101}" type="datetimeFigureOut">
               <a:rPr lang="fr-FR" smtClean="0"/>
-              <a:t>17/11/2019</a:t>
+              <a:t>02/02/2020</a:t>
             </a:fld>
             <a:endParaRPr lang="fr-FR" dirty="0"/>
           </a:p>
@@ -1590,39 +1597,22 @@
             <p:ph type="ctrTitle"/>
           </p:nvPr>
         </p:nvSpPr>
-        <p:spPr/>
+        <p:spPr>
+          <a:xfrm>
+            <a:off x="1524000" y="2982865"/>
+            <a:ext cx="9144000" cy="892269"/>
+          </a:xfrm>
+        </p:spPr>
         <p:txBody>
           <a:bodyPr>
             <a:normAutofit fontScale="90000"/>
           </a:bodyPr>
           <a:lstStyle/>
           <a:p>
-            <a:endParaRPr lang="fr-FR"/>
-          </a:p>
-        </p:txBody>
-      </p:sp>
-      <p:sp>
-        <p:nvSpPr>
-          <p:cNvPr id="3" name="Sous-titre 2">
-            <a:extLst>
-              <a:ext uri="{FF2B5EF4-FFF2-40B4-BE49-F238E27FC236}">
-                <a16:creationId xmlns:a16="http://schemas.microsoft.com/office/drawing/2014/main" id="{915A1F3E-460F-4E0B-B552-3517BFC2DA71}"/>
-              </a:ext>
-            </a:extLst>
-          </p:cNvPr>
-          <p:cNvSpPr>
-            <a:spLocks noGrp="1"/>
-          </p:cNvSpPr>
-          <p:nvPr>
-            <p:ph type="subTitle" idx="1"/>
-          </p:nvPr>
-        </p:nvSpPr>
-        <p:spPr/>
-        <p:txBody>
-          <a:bodyPr/>
-          <a:lstStyle/>
-          <a:p>
-            <a:endParaRPr lang="fr-FR"/>
+            <a:r>
+              <a:rPr lang="fr-FR" dirty="0"/>
+              <a:t>Architecture chaine DevOps</a:t>
+            </a:r>
           </a:p>
         </p:txBody>
       </p:sp>
@@ -1630,6 +1620,3168 @@
     <p:extLst>
       <p:ext uri="{BB962C8B-B14F-4D97-AF65-F5344CB8AC3E}">
         <p14:creationId xmlns:p14="http://schemas.microsoft.com/office/powerpoint/2010/main" val="1442308324"/>
+      </p:ext>
+    </p:extLst>
+  </p:cSld>
+  <p:clrMapOvr>
+    <a:masterClrMapping/>
+  </p:clrMapOvr>
+  <mc:AlternateContent xmlns:mc="http://schemas.openxmlformats.org/markup-compatibility/2006" xmlns:p14="http://schemas.microsoft.com/office/powerpoint/2010/main">
+    <mc:Choice Requires="p14">
+      <p:transition>
+        <p14:ripple/>
+      </p:transition>
+    </mc:Choice>
+    <mc:Fallback xmlns="">
+      <p:transition>
+        <p:fade/>
+      </p:transition>
+    </mc:Fallback>
+  </mc:AlternateContent>
+</p:sld>
+</file>
+
+<file path=ppt/slides/slide2.xml><?xml version="1.0" encoding="utf-8"?>
+<p:sld xmlns:a="http://schemas.openxmlformats.org/drawingml/2006/main" xmlns:r="http://schemas.openxmlformats.org/officeDocument/2006/relationships" xmlns:p="http://schemas.openxmlformats.org/presentationml/2006/main">
+  <p:cSld>
+    <p:spTree>
+      <p:nvGrpSpPr>
+        <p:cNvPr id="1" name=""/>
+        <p:cNvGrpSpPr/>
+        <p:nvPr/>
+      </p:nvGrpSpPr>
+      <p:grpSpPr>
+        <a:xfrm>
+          <a:off x="0" y="0"/>
+          <a:ext cx="0" cy="0"/>
+          <a:chOff x="0" y="0"/>
+          <a:chExt cx="0" cy="0"/>
+        </a:xfrm>
+      </p:grpSpPr>
+      <p:pic>
+        <p:nvPicPr>
+          <p:cNvPr id="7" name="Graphique 6" descr="Écran">
+            <a:extLst>
+              <a:ext uri="{FF2B5EF4-FFF2-40B4-BE49-F238E27FC236}">
+                <a16:creationId xmlns:a16="http://schemas.microsoft.com/office/drawing/2014/main" id="{B37049E4-6FF3-4A3E-8CA8-223D88E7C732}"/>
+              </a:ext>
+            </a:extLst>
+          </p:cNvPr>
+          <p:cNvPicPr>
+            <a:picLocks noChangeAspect="1"/>
+          </p:cNvPicPr>
+          <p:nvPr/>
+        </p:nvPicPr>
+        <p:blipFill>
+          <a:blip r:embed="rId2">
+            <a:extLst>
+              <a:ext uri="{28A0092B-C50C-407E-A947-70E740481C1C}">
+                <a14:useLocalDpi xmlns:a14="http://schemas.microsoft.com/office/drawing/2010/main" val="0"/>
+              </a:ext>
+              <a:ext uri="{96DAC541-7B7A-43D3-8B79-37D633B846F1}">
+                <asvg:svgBlip xmlns:asvg="http://schemas.microsoft.com/office/drawing/2016/SVG/main" r:embed="rId3"/>
+              </a:ext>
+            </a:extLst>
+          </a:blip>
+          <a:stretch>
+            <a:fillRect/>
+          </a:stretch>
+        </p:blipFill>
+        <p:spPr>
+          <a:xfrm>
+            <a:off x="306944" y="2563420"/>
+            <a:ext cx="1251857" cy="1251857"/>
+          </a:xfrm>
+          <a:prstGeom prst="rect">
+            <a:avLst/>
+          </a:prstGeom>
+        </p:spPr>
+      </p:pic>
+      <p:pic>
+        <p:nvPicPr>
+          <p:cNvPr id="4" name="Graphique 3" descr="Document">
+            <a:extLst>
+              <a:ext uri="{FF2B5EF4-FFF2-40B4-BE49-F238E27FC236}">
+                <a16:creationId xmlns:a16="http://schemas.microsoft.com/office/drawing/2014/main" id="{F14DF09C-9F9B-4E38-A532-4B349B229ADE}"/>
+              </a:ext>
+            </a:extLst>
+          </p:cNvPr>
+          <p:cNvPicPr>
+            <a:picLocks noChangeAspect="1"/>
+          </p:cNvPicPr>
+          <p:nvPr/>
+        </p:nvPicPr>
+        <p:blipFill>
+          <a:blip r:embed="rId4">
+            <a:extLst>
+              <a:ext uri="{28A0092B-C50C-407E-A947-70E740481C1C}">
+                <a14:useLocalDpi xmlns:a14="http://schemas.microsoft.com/office/drawing/2010/main" val="0"/>
+              </a:ext>
+              <a:ext uri="{96DAC541-7B7A-43D3-8B79-37D633B846F1}">
+                <asvg:svgBlip xmlns:asvg="http://schemas.microsoft.com/office/drawing/2016/SVG/main" r:embed="rId5"/>
+              </a:ext>
+            </a:extLst>
+          </a:blip>
+          <a:stretch>
+            <a:fillRect/>
+          </a:stretch>
+        </p:blipFill>
+        <p:spPr>
+          <a:xfrm>
+            <a:off x="445491" y="3815277"/>
+            <a:ext cx="914400" cy="914400"/>
+          </a:xfrm>
+          <a:prstGeom prst="rect">
+            <a:avLst/>
+          </a:prstGeom>
+        </p:spPr>
+      </p:pic>
+      <p:sp>
+        <p:nvSpPr>
+          <p:cNvPr id="5" name="ZoneTexte 4">
+            <a:extLst>
+              <a:ext uri="{FF2B5EF4-FFF2-40B4-BE49-F238E27FC236}">
+                <a16:creationId xmlns:a16="http://schemas.microsoft.com/office/drawing/2014/main" id="{007F8D60-A2A4-436F-8F19-7784B2C51363}"/>
+              </a:ext>
+            </a:extLst>
+          </p:cNvPr>
+          <p:cNvSpPr txBox="1"/>
+          <p:nvPr/>
+        </p:nvSpPr>
+        <p:spPr>
+          <a:xfrm>
+            <a:off x="306944" y="4729129"/>
+            <a:ext cx="1445491" cy="338554"/>
+          </a:xfrm>
+          <a:prstGeom prst="rect">
+            <a:avLst/>
+          </a:prstGeom>
+          <a:noFill/>
+        </p:spPr>
+        <p:txBody>
+          <a:bodyPr wrap="square" rtlCol="0">
+            <a:spAutoFit/>
+          </a:bodyPr>
+          <a:lstStyle/>
+          <a:p>
+            <a:r>
+              <a:rPr lang="fr-FR" sz="1600" dirty="0">
+                <a:latin typeface="Abadi Extra Light" panose="020B0204020104020204" pitchFamily="34" charset="0"/>
+              </a:rPr>
+              <a:t>New sources</a:t>
+            </a:r>
+          </a:p>
+        </p:txBody>
+      </p:sp>
+    </p:spTree>
+    <p:extLst>
+      <p:ext uri="{BB962C8B-B14F-4D97-AF65-F5344CB8AC3E}">
+        <p14:creationId xmlns:p14="http://schemas.microsoft.com/office/powerpoint/2010/main" val="1056695403"/>
+      </p:ext>
+    </p:extLst>
+  </p:cSld>
+  <p:clrMapOvr>
+    <a:masterClrMapping/>
+  </p:clrMapOvr>
+  <mc:AlternateContent xmlns:mc="http://schemas.openxmlformats.org/markup-compatibility/2006" xmlns:p14="http://schemas.microsoft.com/office/powerpoint/2010/main">
+    <mc:Choice Requires="p14">
+      <p:transition>
+        <p14:ripple/>
+      </p:transition>
+    </mc:Choice>
+    <mc:Fallback xmlns="">
+      <p:transition>
+        <p:fade/>
+      </p:transition>
+    </mc:Fallback>
+  </mc:AlternateContent>
+</p:sld>
+</file>
+
+<file path=ppt/slides/slide3.xml><?xml version="1.0" encoding="utf-8"?>
+<p:sld xmlns:a="http://schemas.openxmlformats.org/drawingml/2006/main" xmlns:r="http://schemas.openxmlformats.org/officeDocument/2006/relationships" xmlns:p="http://schemas.openxmlformats.org/presentationml/2006/main">
+  <p:cSld>
+    <p:spTree>
+      <p:nvGrpSpPr>
+        <p:cNvPr id="1" name=""/>
+        <p:cNvGrpSpPr/>
+        <p:nvPr/>
+      </p:nvGrpSpPr>
+      <p:grpSpPr>
+        <a:xfrm>
+          <a:off x="0" y="0"/>
+          <a:ext cx="0" cy="0"/>
+          <a:chOff x="0" y="0"/>
+          <a:chExt cx="0" cy="0"/>
+        </a:xfrm>
+      </p:grpSpPr>
+      <p:pic>
+        <p:nvPicPr>
+          <p:cNvPr id="7" name="Graphique 6" descr="Écran">
+            <a:extLst>
+              <a:ext uri="{FF2B5EF4-FFF2-40B4-BE49-F238E27FC236}">
+                <a16:creationId xmlns:a16="http://schemas.microsoft.com/office/drawing/2014/main" id="{B37049E4-6FF3-4A3E-8CA8-223D88E7C732}"/>
+              </a:ext>
+            </a:extLst>
+          </p:cNvPr>
+          <p:cNvPicPr>
+            <a:picLocks noChangeAspect="1"/>
+          </p:cNvPicPr>
+          <p:nvPr/>
+        </p:nvPicPr>
+        <p:blipFill>
+          <a:blip r:embed="rId2">
+            <a:extLst>
+              <a:ext uri="{28A0092B-C50C-407E-A947-70E740481C1C}">
+                <a14:useLocalDpi xmlns:a14="http://schemas.microsoft.com/office/drawing/2010/main" val="0"/>
+              </a:ext>
+              <a:ext uri="{96DAC541-7B7A-43D3-8B79-37D633B846F1}">
+                <asvg:svgBlip xmlns:asvg="http://schemas.microsoft.com/office/drawing/2016/SVG/main" r:embed="rId3"/>
+              </a:ext>
+            </a:extLst>
+          </a:blip>
+          <a:stretch>
+            <a:fillRect/>
+          </a:stretch>
+        </p:blipFill>
+        <p:spPr>
+          <a:xfrm>
+            <a:off x="306944" y="2563420"/>
+            <a:ext cx="1251857" cy="1251857"/>
+          </a:xfrm>
+          <a:prstGeom prst="rect">
+            <a:avLst/>
+          </a:prstGeom>
+        </p:spPr>
+      </p:pic>
+      <p:pic>
+        <p:nvPicPr>
+          <p:cNvPr id="3" name="Image 2" descr="Une image contenant dessin, roue&#10;&#10;Description générée automatiquement">
+            <a:extLst>
+              <a:ext uri="{FF2B5EF4-FFF2-40B4-BE49-F238E27FC236}">
+                <a16:creationId xmlns:a16="http://schemas.microsoft.com/office/drawing/2014/main" id="{E0A04B6D-7064-40FB-BE67-FAAFC36CC90C}"/>
+              </a:ext>
+            </a:extLst>
+          </p:cNvPr>
+          <p:cNvPicPr>
+            <a:picLocks noChangeAspect="1"/>
+          </p:cNvPicPr>
+          <p:nvPr/>
+        </p:nvPicPr>
+        <p:blipFill>
+          <a:blip r:embed="rId4">
+            <a:extLst>
+              <a:ext uri="{28A0092B-C50C-407E-A947-70E740481C1C}">
+                <a14:useLocalDpi xmlns:a14="http://schemas.microsoft.com/office/drawing/2010/main" val="0"/>
+              </a:ext>
+            </a:extLst>
+          </a:blip>
+          <a:stretch>
+            <a:fillRect/>
+          </a:stretch>
+        </p:blipFill>
+        <p:spPr>
+          <a:xfrm>
+            <a:off x="3620157" y="2606962"/>
+            <a:ext cx="1164771" cy="1164771"/>
+          </a:xfrm>
+          <a:prstGeom prst="rect">
+            <a:avLst/>
+          </a:prstGeom>
+        </p:spPr>
+      </p:pic>
+      <p:pic>
+        <p:nvPicPr>
+          <p:cNvPr id="4" name="Graphique 3" descr="Document">
+            <a:extLst>
+              <a:ext uri="{FF2B5EF4-FFF2-40B4-BE49-F238E27FC236}">
+                <a16:creationId xmlns:a16="http://schemas.microsoft.com/office/drawing/2014/main" id="{3C224C3B-627B-46EE-8624-1FA1C795A3A4}"/>
+              </a:ext>
+            </a:extLst>
+          </p:cNvPr>
+          <p:cNvPicPr>
+            <a:picLocks noChangeAspect="1"/>
+          </p:cNvPicPr>
+          <p:nvPr/>
+        </p:nvPicPr>
+        <p:blipFill>
+          <a:blip r:embed="rId5">
+            <a:extLst>
+              <a:ext uri="{28A0092B-C50C-407E-A947-70E740481C1C}">
+                <a14:useLocalDpi xmlns:a14="http://schemas.microsoft.com/office/drawing/2010/main" val="0"/>
+              </a:ext>
+              <a:ext uri="{96DAC541-7B7A-43D3-8B79-37D633B846F1}">
+                <asvg:svgBlip xmlns:asvg="http://schemas.microsoft.com/office/drawing/2016/SVG/main" r:embed="rId6"/>
+              </a:ext>
+            </a:extLst>
+          </a:blip>
+          <a:stretch>
+            <a:fillRect/>
+          </a:stretch>
+        </p:blipFill>
+        <p:spPr>
+          <a:xfrm>
+            <a:off x="3745342" y="4271380"/>
+            <a:ext cx="914400" cy="914400"/>
+          </a:xfrm>
+          <a:prstGeom prst="rect">
+            <a:avLst/>
+          </a:prstGeom>
+        </p:spPr>
+      </p:pic>
+      <p:sp>
+        <p:nvSpPr>
+          <p:cNvPr id="5" name="ZoneTexte 4">
+            <a:extLst>
+              <a:ext uri="{FF2B5EF4-FFF2-40B4-BE49-F238E27FC236}">
+                <a16:creationId xmlns:a16="http://schemas.microsoft.com/office/drawing/2014/main" id="{8B832C5E-4CC8-4B23-8B95-02BE944EE639}"/>
+              </a:ext>
+            </a:extLst>
+          </p:cNvPr>
+          <p:cNvSpPr txBox="1"/>
+          <p:nvPr/>
+        </p:nvSpPr>
+        <p:spPr>
+          <a:xfrm>
+            <a:off x="3620156" y="5185780"/>
+            <a:ext cx="1445491" cy="338554"/>
+          </a:xfrm>
+          <a:prstGeom prst="rect">
+            <a:avLst/>
+          </a:prstGeom>
+          <a:noFill/>
+        </p:spPr>
+        <p:txBody>
+          <a:bodyPr wrap="square" rtlCol="0">
+            <a:spAutoFit/>
+          </a:bodyPr>
+          <a:lstStyle/>
+          <a:p>
+            <a:r>
+              <a:rPr lang="fr-FR" sz="1600" dirty="0">
+                <a:latin typeface="Abadi Extra Light" panose="020B0204020104020204" pitchFamily="34" charset="0"/>
+              </a:rPr>
+              <a:t>New sources</a:t>
+            </a:r>
+          </a:p>
+        </p:txBody>
+      </p:sp>
+      <p:cxnSp>
+        <p:nvCxnSpPr>
+          <p:cNvPr id="9" name="Connecteur droit avec flèche 8">
+            <a:extLst>
+              <a:ext uri="{FF2B5EF4-FFF2-40B4-BE49-F238E27FC236}">
+                <a16:creationId xmlns:a16="http://schemas.microsoft.com/office/drawing/2014/main" id="{6ED66B41-4637-441C-B430-0F251E2122C9}"/>
+              </a:ext>
+            </a:extLst>
+          </p:cNvPr>
+          <p:cNvCxnSpPr>
+            <a:stCxn id="7" idx="3"/>
+            <a:endCxn id="3" idx="1"/>
+          </p:cNvCxnSpPr>
+          <p:nvPr/>
+        </p:nvCxnSpPr>
+        <p:spPr>
+          <a:xfrm flipV="1">
+            <a:off x="1558801" y="3189348"/>
+            <a:ext cx="2061356" cy="1"/>
+          </a:xfrm>
+          <a:prstGeom prst="straightConnector1">
+            <a:avLst/>
+          </a:prstGeom>
+          <a:ln w="38100">
+            <a:solidFill>
+              <a:schemeClr val="accent6"/>
+            </a:solidFill>
+            <a:tailEnd type="triangle"/>
+          </a:ln>
+        </p:spPr>
+        <p:style>
+          <a:lnRef idx="1">
+            <a:schemeClr val="accent6"/>
+          </a:lnRef>
+          <a:fillRef idx="0">
+            <a:schemeClr val="accent6"/>
+          </a:fillRef>
+          <a:effectRef idx="0">
+            <a:schemeClr val="accent6"/>
+          </a:effectRef>
+          <a:fontRef idx="minor">
+            <a:schemeClr val="tx1"/>
+          </a:fontRef>
+        </p:style>
+      </p:cxnSp>
+      <p:sp>
+        <p:nvSpPr>
+          <p:cNvPr id="10" name="ZoneTexte 9">
+            <a:extLst>
+              <a:ext uri="{FF2B5EF4-FFF2-40B4-BE49-F238E27FC236}">
+                <a16:creationId xmlns:a16="http://schemas.microsoft.com/office/drawing/2014/main" id="{FB482D30-3D0F-4AC0-820F-37E03E6E5B54}"/>
+              </a:ext>
+            </a:extLst>
+          </p:cNvPr>
+          <p:cNvSpPr txBox="1"/>
+          <p:nvPr/>
+        </p:nvSpPr>
+        <p:spPr>
+          <a:xfrm>
+            <a:off x="3620157" y="3893648"/>
+            <a:ext cx="1445491" cy="338554"/>
+          </a:xfrm>
+          <a:prstGeom prst="rect">
+            <a:avLst/>
+          </a:prstGeom>
+          <a:noFill/>
+        </p:spPr>
+        <p:txBody>
+          <a:bodyPr wrap="square" rtlCol="0">
+            <a:spAutoFit/>
+          </a:bodyPr>
+          <a:lstStyle/>
+          <a:p>
+            <a:r>
+              <a:rPr lang="fr-FR" sz="1600" dirty="0">
+                <a:latin typeface="Abadi Extra Light" panose="020B0204020104020204" pitchFamily="34" charset="0"/>
+              </a:rPr>
+              <a:t>Git/Sources</a:t>
+            </a:r>
+          </a:p>
+        </p:txBody>
+      </p:sp>
+      <p:sp>
+        <p:nvSpPr>
+          <p:cNvPr id="11" name="ZoneTexte 10">
+            <a:extLst>
+              <a:ext uri="{FF2B5EF4-FFF2-40B4-BE49-F238E27FC236}">
+                <a16:creationId xmlns:a16="http://schemas.microsoft.com/office/drawing/2014/main" id="{753841A0-F69E-445D-BE6B-269CD75A4799}"/>
+              </a:ext>
+            </a:extLst>
+          </p:cNvPr>
+          <p:cNvSpPr txBox="1"/>
+          <p:nvPr/>
+        </p:nvSpPr>
+        <p:spPr>
+          <a:xfrm>
+            <a:off x="2081886" y="2813357"/>
+            <a:ext cx="1445491" cy="369332"/>
+          </a:xfrm>
+          <a:prstGeom prst="rect">
+            <a:avLst/>
+          </a:prstGeom>
+          <a:noFill/>
+        </p:spPr>
+        <p:txBody>
+          <a:bodyPr wrap="square" rtlCol="0">
+            <a:spAutoFit/>
+          </a:bodyPr>
+          <a:lstStyle/>
+          <a:p>
+            <a:r>
+              <a:rPr lang="fr-FR" i="1" dirty="0">
+                <a:latin typeface="Abadi Extra Light" panose="020B0204020104020204" pitchFamily="34" charset="0"/>
+              </a:rPr>
+              <a:t>Git Push</a:t>
+            </a:r>
+          </a:p>
+        </p:txBody>
+      </p:sp>
+    </p:spTree>
+    <p:extLst>
+      <p:ext uri="{BB962C8B-B14F-4D97-AF65-F5344CB8AC3E}">
+        <p14:creationId xmlns:p14="http://schemas.microsoft.com/office/powerpoint/2010/main" val="3073922080"/>
+      </p:ext>
+    </p:extLst>
+  </p:cSld>
+  <p:clrMapOvr>
+    <a:masterClrMapping/>
+  </p:clrMapOvr>
+  <mc:AlternateContent xmlns:mc="http://schemas.openxmlformats.org/markup-compatibility/2006" xmlns:p14="http://schemas.microsoft.com/office/powerpoint/2010/main">
+    <mc:Choice Requires="p14">
+      <p:transition>
+        <p14:ripple/>
+      </p:transition>
+    </mc:Choice>
+    <mc:Fallback xmlns="">
+      <p:transition>
+        <p:fade/>
+      </p:transition>
+    </mc:Fallback>
+  </mc:AlternateContent>
+</p:sld>
+</file>
+
+<file path=ppt/slides/slide4.xml><?xml version="1.0" encoding="utf-8"?>
+<p:sld xmlns:a="http://schemas.openxmlformats.org/drawingml/2006/main" xmlns:r="http://schemas.openxmlformats.org/officeDocument/2006/relationships" xmlns:p="http://schemas.openxmlformats.org/presentationml/2006/main">
+  <p:cSld>
+    <p:spTree>
+      <p:nvGrpSpPr>
+        <p:cNvPr id="1" name=""/>
+        <p:cNvGrpSpPr/>
+        <p:nvPr/>
+      </p:nvGrpSpPr>
+      <p:grpSpPr>
+        <a:xfrm>
+          <a:off x="0" y="0"/>
+          <a:ext cx="0" cy="0"/>
+          <a:chOff x="0" y="0"/>
+          <a:chExt cx="0" cy="0"/>
+        </a:xfrm>
+      </p:grpSpPr>
+      <p:pic>
+        <p:nvPicPr>
+          <p:cNvPr id="7" name="Graphique 6" descr="Écran">
+            <a:extLst>
+              <a:ext uri="{FF2B5EF4-FFF2-40B4-BE49-F238E27FC236}">
+                <a16:creationId xmlns:a16="http://schemas.microsoft.com/office/drawing/2014/main" id="{B37049E4-6FF3-4A3E-8CA8-223D88E7C732}"/>
+              </a:ext>
+            </a:extLst>
+          </p:cNvPr>
+          <p:cNvPicPr>
+            <a:picLocks noChangeAspect="1"/>
+          </p:cNvPicPr>
+          <p:nvPr/>
+        </p:nvPicPr>
+        <p:blipFill>
+          <a:blip r:embed="rId2">
+            <a:extLst>
+              <a:ext uri="{28A0092B-C50C-407E-A947-70E740481C1C}">
+                <a14:useLocalDpi xmlns:a14="http://schemas.microsoft.com/office/drawing/2010/main" val="0"/>
+              </a:ext>
+              <a:ext uri="{96DAC541-7B7A-43D3-8B79-37D633B846F1}">
+                <asvg:svgBlip xmlns:asvg="http://schemas.microsoft.com/office/drawing/2016/SVG/main" r:embed="rId3"/>
+              </a:ext>
+            </a:extLst>
+          </a:blip>
+          <a:stretch>
+            <a:fillRect/>
+          </a:stretch>
+        </p:blipFill>
+        <p:spPr>
+          <a:xfrm>
+            <a:off x="306944" y="2563420"/>
+            <a:ext cx="1251857" cy="1251857"/>
+          </a:xfrm>
+          <a:prstGeom prst="rect">
+            <a:avLst/>
+          </a:prstGeom>
+        </p:spPr>
+      </p:pic>
+      <p:pic>
+        <p:nvPicPr>
+          <p:cNvPr id="3" name="Image 2" descr="Une image contenant dessin, roue&#10;&#10;Description générée automatiquement">
+            <a:extLst>
+              <a:ext uri="{FF2B5EF4-FFF2-40B4-BE49-F238E27FC236}">
+                <a16:creationId xmlns:a16="http://schemas.microsoft.com/office/drawing/2014/main" id="{E0A04B6D-7064-40FB-BE67-FAAFC36CC90C}"/>
+              </a:ext>
+            </a:extLst>
+          </p:cNvPr>
+          <p:cNvPicPr>
+            <a:picLocks noChangeAspect="1"/>
+          </p:cNvPicPr>
+          <p:nvPr/>
+        </p:nvPicPr>
+        <p:blipFill>
+          <a:blip r:embed="rId4">
+            <a:extLst>
+              <a:ext uri="{28A0092B-C50C-407E-A947-70E740481C1C}">
+                <a14:useLocalDpi xmlns:a14="http://schemas.microsoft.com/office/drawing/2010/main" val="0"/>
+              </a:ext>
+            </a:extLst>
+          </a:blip>
+          <a:stretch>
+            <a:fillRect/>
+          </a:stretch>
+        </p:blipFill>
+        <p:spPr>
+          <a:xfrm>
+            <a:off x="3620157" y="2606962"/>
+            <a:ext cx="1164771" cy="1164771"/>
+          </a:xfrm>
+          <a:prstGeom prst="rect">
+            <a:avLst/>
+          </a:prstGeom>
+        </p:spPr>
+      </p:pic>
+      <p:pic>
+        <p:nvPicPr>
+          <p:cNvPr id="4" name="Graphique 3" descr="Document">
+            <a:extLst>
+              <a:ext uri="{FF2B5EF4-FFF2-40B4-BE49-F238E27FC236}">
+                <a16:creationId xmlns:a16="http://schemas.microsoft.com/office/drawing/2014/main" id="{3C224C3B-627B-46EE-8624-1FA1C795A3A4}"/>
+              </a:ext>
+            </a:extLst>
+          </p:cNvPr>
+          <p:cNvPicPr>
+            <a:picLocks noChangeAspect="1"/>
+          </p:cNvPicPr>
+          <p:nvPr/>
+        </p:nvPicPr>
+        <p:blipFill>
+          <a:blip r:embed="rId5">
+            <a:extLst>
+              <a:ext uri="{28A0092B-C50C-407E-A947-70E740481C1C}">
+                <a14:useLocalDpi xmlns:a14="http://schemas.microsoft.com/office/drawing/2010/main" val="0"/>
+              </a:ext>
+              <a:ext uri="{96DAC541-7B7A-43D3-8B79-37D633B846F1}">
+                <asvg:svgBlip xmlns:asvg="http://schemas.microsoft.com/office/drawing/2016/SVG/main" r:embed="rId6"/>
+              </a:ext>
+            </a:extLst>
+          </a:blip>
+          <a:stretch>
+            <a:fillRect/>
+          </a:stretch>
+        </p:blipFill>
+        <p:spPr>
+          <a:xfrm>
+            <a:off x="7189183" y="4232202"/>
+            <a:ext cx="914400" cy="914400"/>
+          </a:xfrm>
+          <a:prstGeom prst="rect">
+            <a:avLst/>
+          </a:prstGeom>
+        </p:spPr>
+      </p:pic>
+      <p:sp>
+        <p:nvSpPr>
+          <p:cNvPr id="5" name="ZoneTexte 4">
+            <a:extLst>
+              <a:ext uri="{FF2B5EF4-FFF2-40B4-BE49-F238E27FC236}">
+                <a16:creationId xmlns:a16="http://schemas.microsoft.com/office/drawing/2014/main" id="{8B832C5E-4CC8-4B23-8B95-02BE944EE639}"/>
+              </a:ext>
+            </a:extLst>
+          </p:cNvPr>
+          <p:cNvSpPr txBox="1"/>
+          <p:nvPr/>
+        </p:nvSpPr>
+        <p:spPr>
+          <a:xfrm>
+            <a:off x="7057399" y="5146827"/>
+            <a:ext cx="1445491" cy="338554"/>
+          </a:xfrm>
+          <a:prstGeom prst="rect">
+            <a:avLst/>
+          </a:prstGeom>
+          <a:noFill/>
+        </p:spPr>
+        <p:txBody>
+          <a:bodyPr wrap="square" rtlCol="0">
+            <a:spAutoFit/>
+          </a:bodyPr>
+          <a:lstStyle/>
+          <a:p>
+            <a:r>
+              <a:rPr lang="fr-FR" sz="1600" dirty="0">
+                <a:latin typeface="Abadi Extra Light" panose="020B0204020104020204" pitchFamily="34" charset="0"/>
+              </a:rPr>
+              <a:t>New sources</a:t>
+            </a:r>
+          </a:p>
+        </p:txBody>
+      </p:sp>
+      <p:cxnSp>
+        <p:nvCxnSpPr>
+          <p:cNvPr id="9" name="Connecteur droit avec flèche 8">
+            <a:extLst>
+              <a:ext uri="{FF2B5EF4-FFF2-40B4-BE49-F238E27FC236}">
+                <a16:creationId xmlns:a16="http://schemas.microsoft.com/office/drawing/2014/main" id="{6ED66B41-4637-441C-B430-0F251E2122C9}"/>
+              </a:ext>
+            </a:extLst>
+          </p:cNvPr>
+          <p:cNvCxnSpPr>
+            <a:cxnSpLocks/>
+          </p:cNvCxnSpPr>
+          <p:nvPr/>
+        </p:nvCxnSpPr>
+        <p:spPr>
+          <a:xfrm flipH="1" flipV="1">
+            <a:off x="4844467" y="3189347"/>
+            <a:ext cx="2267029" cy="3420"/>
+          </a:xfrm>
+          <a:prstGeom prst="straightConnector1">
+            <a:avLst/>
+          </a:prstGeom>
+          <a:ln w="38100">
+            <a:solidFill>
+              <a:srgbClr val="FF0000"/>
+            </a:solidFill>
+            <a:tailEnd type="triangle"/>
+          </a:ln>
+        </p:spPr>
+        <p:style>
+          <a:lnRef idx="1">
+            <a:schemeClr val="accent6"/>
+          </a:lnRef>
+          <a:fillRef idx="0">
+            <a:schemeClr val="accent6"/>
+          </a:fillRef>
+          <a:effectRef idx="0">
+            <a:schemeClr val="accent6"/>
+          </a:effectRef>
+          <a:fontRef idx="minor">
+            <a:schemeClr val="tx1"/>
+          </a:fontRef>
+        </p:style>
+      </p:cxnSp>
+      <p:sp>
+        <p:nvSpPr>
+          <p:cNvPr id="10" name="ZoneTexte 9">
+            <a:extLst>
+              <a:ext uri="{FF2B5EF4-FFF2-40B4-BE49-F238E27FC236}">
+                <a16:creationId xmlns:a16="http://schemas.microsoft.com/office/drawing/2014/main" id="{FB482D30-3D0F-4AC0-820F-37E03E6E5B54}"/>
+              </a:ext>
+            </a:extLst>
+          </p:cNvPr>
+          <p:cNvSpPr txBox="1"/>
+          <p:nvPr/>
+        </p:nvSpPr>
+        <p:spPr>
+          <a:xfrm>
+            <a:off x="3620157" y="3893648"/>
+            <a:ext cx="1445491" cy="338554"/>
+          </a:xfrm>
+          <a:prstGeom prst="rect">
+            <a:avLst/>
+          </a:prstGeom>
+          <a:noFill/>
+        </p:spPr>
+        <p:txBody>
+          <a:bodyPr wrap="square" rtlCol="0">
+            <a:spAutoFit/>
+          </a:bodyPr>
+          <a:lstStyle/>
+          <a:p>
+            <a:r>
+              <a:rPr lang="fr-FR" sz="1600" dirty="0">
+                <a:latin typeface="Abadi Extra Light" panose="020B0204020104020204" pitchFamily="34" charset="0"/>
+              </a:rPr>
+              <a:t>Git/Sources</a:t>
+            </a:r>
+          </a:p>
+        </p:txBody>
+      </p:sp>
+      <p:pic>
+        <p:nvPicPr>
+          <p:cNvPr id="11" name="Image 10" descr="Une image contenant dessin&#10;&#10;Description générée automatiquement">
+            <a:extLst>
+              <a:ext uri="{FF2B5EF4-FFF2-40B4-BE49-F238E27FC236}">
+                <a16:creationId xmlns:a16="http://schemas.microsoft.com/office/drawing/2014/main" id="{0679F026-553B-47C3-85A7-86F0F7106330}"/>
+              </a:ext>
+            </a:extLst>
+          </p:cNvPr>
+          <p:cNvPicPr>
+            <a:picLocks noChangeAspect="1"/>
+          </p:cNvPicPr>
+          <p:nvPr/>
+        </p:nvPicPr>
+        <p:blipFill rotWithShape="1">
+          <a:blip r:embed="rId7">
+            <a:extLst>
+              <a:ext uri="{28A0092B-C50C-407E-A947-70E740481C1C}">
+                <a14:useLocalDpi xmlns:a14="http://schemas.microsoft.com/office/drawing/2010/main" val="0"/>
+              </a:ext>
+            </a:extLst>
+          </a:blip>
+          <a:srcRect l="20676" t="10667" r="21617" b="10385"/>
+          <a:stretch/>
+        </p:blipFill>
+        <p:spPr>
+          <a:xfrm>
+            <a:off x="7051957" y="2473415"/>
+            <a:ext cx="1051626" cy="1438705"/>
+          </a:xfrm>
+          <a:prstGeom prst="rect">
+            <a:avLst/>
+          </a:prstGeom>
+        </p:spPr>
+      </p:pic>
+      <p:sp>
+        <p:nvSpPr>
+          <p:cNvPr id="23" name="ZoneTexte 22">
+            <a:extLst>
+              <a:ext uri="{FF2B5EF4-FFF2-40B4-BE49-F238E27FC236}">
+                <a16:creationId xmlns:a16="http://schemas.microsoft.com/office/drawing/2014/main" id="{5BF2995E-A6EA-4AAD-A83A-7D30BF0E4FE8}"/>
+              </a:ext>
+            </a:extLst>
+          </p:cNvPr>
+          <p:cNvSpPr txBox="1"/>
+          <p:nvPr/>
+        </p:nvSpPr>
+        <p:spPr>
+          <a:xfrm>
+            <a:off x="7051957" y="3893536"/>
+            <a:ext cx="1445491" cy="338554"/>
+          </a:xfrm>
+          <a:prstGeom prst="rect">
+            <a:avLst/>
+          </a:prstGeom>
+          <a:noFill/>
+        </p:spPr>
+        <p:txBody>
+          <a:bodyPr wrap="square" rtlCol="0">
+            <a:spAutoFit/>
+          </a:bodyPr>
+          <a:lstStyle/>
+          <a:p>
+            <a:r>
+              <a:rPr lang="fr-FR" sz="1600" dirty="0">
+                <a:latin typeface="Abadi Extra Light" panose="020B0204020104020204" pitchFamily="34" charset="0"/>
+              </a:rPr>
+              <a:t>Serveur Jenkins</a:t>
+            </a:r>
+          </a:p>
+        </p:txBody>
+      </p:sp>
+      <p:sp>
+        <p:nvSpPr>
+          <p:cNvPr id="24" name="ZoneTexte 23">
+            <a:extLst>
+              <a:ext uri="{FF2B5EF4-FFF2-40B4-BE49-F238E27FC236}">
+                <a16:creationId xmlns:a16="http://schemas.microsoft.com/office/drawing/2014/main" id="{6FA41B25-7DA0-4A6F-B577-BB7B50F1E9AE}"/>
+              </a:ext>
+            </a:extLst>
+          </p:cNvPr>
+          <p:cNvSpPr txBox="1"/>
+          <p:nvPr/>
+        </p:nvSpPr>
+        <p:spPr>
+          <a:xfrm>
+            <a:off x="5546927" y="2817927"/>
+            <a:ext cx="1445491" cy="369332"/>
+          </a:xfrm>
+          <a:prstGeom prst="rect">
+            <a:avLst/>
+          </a:prstGeom>
+          <a:noFill/>
+        </p:spPr>
+        <p:txBody>
+          <a:bodyPr wrap="square" rtlCol="0">
+            <a:spAutoFit/>
+          </a:bodyPr>
+          <a:lstStyle/>
+          <a:p>
+            <a:r>
+              <a:rPr lang="fr-FR" i="1" dirty="0">
+                <a:latin typeface="Abadi Extra Light" panose="020B0204020104020204" pitchFamily="34" charset="0"/>
+              </a:rPr>
+              <a:t>Git Pull</a:t>
+            </a:r>
+          </a:p>
+        </p:txBody>
+      </p:sp>
+    </p:spTree>
+    <p:extLst>
+      <p:ext uri="{BB962C8B-B14F-4D97-AF65-F5344CB8AC3E}">
+        <p14:creationId xmlns:p14="http://schemas.microsoft.com/office/powerpoint/2010/main" val="1660495334"/>
+      </p:ext>
+    </p:extLst>
+  </p:cSld>
+  <p:clrMapOvr>
+    <a:masterClrMapping/>
+  </p:clrMapOvr>
+  <mc:AlternateContent xmlns:mc="http://schemas.openxmlformats.org/markup-compatibility/2006" xmlns:p14="http://schemas.microsoft.com/office/powerpoint/2010/main">
+    <mc:Choice Requires="p14">
+      <p:transition>
+        <p14:ripple/>
+      </p:transition>
+    </mc:Choice>
+    <mc:Fallback xmlns="">
+      <p:transition>
+        <p:fade/>
+      </p:transition>
+    </mc:Fallback>
+  </mc:AlternateContent>
+</p:sld>
+</file>
+
+<file path=ppt/slides/slide5.xml><?xml version="1.0" encoding="utf-8"?>
+<p:sld xmlns:a="http://schemas.openxmlformats.org/drawingml/2006/main" xmlns:r="http://schemas.openxmlformats.org/officeDocument/2006/relationships" xmlns:p="http://schemas.openxmlformats.org/presentationml/2006/main">
+  <p:cSld>
+    <p:spTree>
+      <p:nvGrpSpPr>
+        <p:cNvPr id="1" name=""/>
+        <p:cNvGrpSpPr/>
+        <p:nvPr/>
+      </p:nvGrpSpPr>
+      <p:grpSpPr>
+        <a:xfrm>
+          <a:off x="0" y="0"/>
+          <a:ext cx="0" cy="0"/>
+          <a:chOff x="0" y="0"/>
+          <a:chExt cx="0" cy="0"/>
+        </a:xfrm>
+      </p:grpSpPr>
+      <p:pic>
+        <p:nvPicPr>
+          <p:cNvPr id="7" name="Graphique 6" descr="Écran">
+            <a:extLst>
+              <a:ext uri="{FF2B5EF4-FFF2-40B4-BE49-F238E27FC236}">
+                <a16:creationId xmlns:a16="http://schemas.microsoft.com/office/drawing/2014/main" id="{B37049E4-6FF3-4A3E-8CA8-223D88E7C732}"/>
+              </a:ext>
+            </a:extLst>
+          </p:cNvPr>
+          <p:cNvPicPr>
+            <a:picLocks noChangeAspect="1"/>
+          </p:cNvPicPr>
+          <p:nvPr/>
+        </p:nvPicPr>
+        <p:blipFill>
+          <a:blip r:embed="rId2">
+            <a:extLst>
+              <a:ext uri="{28A0092B-C50C-407E-A947-70E740481C1C}">
+                <a14:useLocalDpi xmlns:a14="http://schemas.microsoft.com/office/drawing/2010/main" val="0"/>
+              </a:ext>
+              <a:ext uri="{96DAC541-7B7A-43D3-8B79-37D633B846F1}">
+                <asvg:svgBlip xmlns:asvg="http://schemas.microsoft.com/office/drawing/2016/SVG/main" r:embed="rId3"/>
+              </a:ext>
+            </a:extLst>
+          </a:blip>
+          <a:stretch>
+            <a:fillRect/>
+          </a:stretch>
+        </p:blipFill>
+        <p:spPr>
+          <a:xfrm>
+            <a:off x="306944" y="2563420"/>
+            <a:ext cx="1251857" cy="1251857"/>
+          </a:xfrm>
+          <a:prstGeom prst="rect">
+            <a:avLst/>
+          </a:prstGeom>
+        </p:spPr>
+      </p:pic>
+      <p:pic>
+        <p:nvPicPr>
+          <p:cNvPr id="3" name="Image 2" descr="Une image contenant dessin, roue&#10;&#10;Description générée automatiquement">
+            <a:extLst>
+              <a:ext uri="{FF2B5EF4-FFF2-40B4-BE49-F238E27FC236}">
+                <a16:creationId xmlns:a16="http://schemas.microsoft.com/office/drawing/2014/main" id="{E0A04B6D-7064-40FB-BE67-FAAFC36CC90C}"/>
+              </a:ext>
+            </a:extLst>
+          </p:cNvPr>
+          <p:cNvPicPr>
+            <a:picLocks noChangeAspect="1"/>
+          </p:cNvPicPr>
+          <p:nvPr/>
+        </p:nvPicPr>
+        <p:blipFill>
+          <a:blip r:embed="rId4">
+            <a:extLst>
+              <a:ext uri="{28A0092B-C50C-407E-A947-70E740481C1C}">
+                <a14:useLocalDpi xmlns:a14="http://schemas.microsoft.com/office/drawing/2010/main" val="0"/>
+              </a:ext>
+            </a:extLst>
+          </a:blip>
+          <a:stretch>
+            <a:fillRect/>
+          </a:stretch>
+        </p:blipFill>
+        <p:spPr>
+          <a:xfrm>
+            <a:off x="3620157" y="2606962"/>
+            <a:ext cx="1164771" cy="1164771"/>
+          </a:xfrm>
+          <a:prstGeom prst="rect">
+            <a:avLst/>
+          </a:prstGeom>
+        </p:spPr>
+      </p:pic>
+      <p:pic>
+        <p:nvPicPr>
+          <p:cNvPr id="4" name="Graphique 3" descr="Papier">
+            <a:extLst>
+              <a:ext uri="{FF2B5EF4-FFF2-40B4-BE49-F238E27FC236}">
+                <a16:creationId xmlns:a16="http://schemas.microsoft.com/office/drawing/2014/main" id="{3C224C3B-627B-46EE-8624-1FA1C795A3A4}"/>
+              </a:ext>
+            </a:extLst>
+          </p:cNvPr>
+          <p:cNvPicPr>
+            <a:picLocks noChangeAspect="1"/>
+          </p:cNvPicPr>
+          <p:nvPr/>
+        </p:nvPicPr>
+        <p:blipFill>
+          <a:blip r:embed="rId5">
+            <a:extLst>
+              <a:ext uri="{28A0092B-C50C-407E-A947-70E740481C1C}">
+                <a14:useLocalDpi xmlns:a14="http://schemas.microsoft.com/office/drawing/2010/main" val="0"/>
+              </a:ext>
+              <a:ext uri="{96DAC541-7B7A-43D3-8B79-37D633B846F1}">
+                <asvg:svgBlip xmlns:asvg="http://schemas.microsoft.com/office/drawing/2016/SVG/main" r:embed="rId6"/>
+              </a:ext>
+            </a:extLst>
+          </a:blip>
+          <a:srcRect/>
+          <a:stretch/>
+        </p:blipFill>
+        <p:spPr>
+          <a:xfrm>
+            <a:off x="7189183" y="4326575"/>
+            <a:ext cx="914400" cy="914400"/>
+          </a:xfrm>
+          <a:prstGeom prst="rect">
+            <a:avLst/>
+          </a:prstGeom>
+        </p:spPr>
+      </p:pic>
+      <p:sp>
+        <p:nvSpPr>
+          <p:cNvPr id="5" name="ZoneTexte 4">
+            <a:extLst>
+              <a:ext uri="{FF2B5EF4-FFF2-40B4-BE49-F238E27FC236}">
+                <a16:creationId xmlns:a16="http://schemas.microsoft.com/office/drawing/2014/main" id="{8B832C5E-4CC8-4B23-8B95-02BE944EE639}"/>
+              </a:ext>
+            </a:extLst>
+          </p:cNvPr>
+          <p:cNvSpPr txBox="1"/>
+          <p:nvPr/>
+        </p:nvSpPr>
+        <p:spPr>
+          <a:xfrm>
+            <a:off x="7183239" y="5259004"/>
+            <a:ext cx="1445491" cy="338554"/>
+          </a:xfrm>
+          <a:prstGeom prst="rect">
+            <a:avLst/>
+          </a:prstGeom>
+          <a:noFill/>
+        </p:spPr>
+        <p:txBody>
+          <a:bodyPr wrap="square" rtlCol="0">
+            <a:spAutoFit/>
+          </a:bodyPr>
+          <a:lstStyle/>
+          <a:p>
+            <a:r>
+              <a:rPr lang="fr-FR" sz="1600" dirty="0">
+                <a:latin typeface="Abadi Extra Light" panose="020B0204020104020204" pitchFamily="34" charset="0"/>
+              </a:rPr>
+              <a:t>New </a:t>
+            </a:r>
+            <a:r>
+              <a:rPr lang="fr-FR" sz="1600" dirty="0" err="1">
+                <a:latin typeface="Abadi Extra Light" panose="020B0204020104020204" pitchFamily="34" charset="0"/>
+              </a:rPr>
+              <a:t>Build</a:t>
+            </a:r>
+            <a:endParaRPr lang="fr-FR" sz="1600" dirty="0">
+              <a:latin typeface="Abadi Extra Light" panose="020B0204020104020204" pitchFamily="34" charset="0"/>
+            </a:endParaRPr>
+          </a:p>
+        </p:txBody>
+      </p:sp>
+      <p:sp>
+        <p:nvSpPr>
+          <p:cNvPr id="10" name="ZoneTexte 9">
+            <a:extLst>
+              <a:ext uri="{FF2B5EF4-FFF2-40B4-BE49-F238E27FC236}">
+                <a16:creationId xmlns:a16="http://schemas.microsoft.com/office/drawing/2014/main" id="{FB482D30-3D0F-4AC0-820F-37E03E6E5B54}"/>
+              </a:ext>
+            </a:extLst>
+          </p:cNvPr>
+          <p:cNvSpPr txBox="1"/>
+          <p:nvPr/>
+        </p:nvSpPr>
+        <p:spPr>
+          <a:xfrm>
+            <a:off x="3620157" y="3893648"/>
+            <a:ext cx="1445491" cy="338554"/>
+          </a:xfrm>
+          <a:prstGeom prst="rect">
+            <a:avLst/>
+          </a:prstGeom>
+          <a:noFill/>
+        </p:spPr>
+        <p:txBody>
+          <a:bodyPr wrap="square" rtlCol="0">
+            <a:spAutoFit/>
+          </a:bodyPr>
+          <a:lstStyle/>
+          <a:p>
+            <a:r>
+              <a:rPr lang="fr-FR" sz="1600" dirty="0">
+                <a:latin typeface="Abadi Extra Light" panose="020B0204020104020204" pitchFamily="34" charset="0"/>
+              </a:rPr>
+              <a:t>Git/Sources</a:t>
+            </a:r>
+          </a:p>
+        </p:txBody>
+      </p:sp>
+      <p:pic>
+        <p:nvPicPr>
+          <p:cNvPr id="11" name="Image 10" descr="Une image contenant dessin&#10;&#10;Description générée automatiquement">
+            <a:extLst>
+              <a:ext uri="{FF2B5EF4-FFF2-40B4-BE49-F238E27FC236}">
+                <a16:creationId xmlns:a16="http://schemas.microsoft.com/office/drawing/2014/main" id="{0679F026-553B-47C3-85A7-86F0F7106330}"/>
+              </a:ext>
+            </a:extLst>
+          </p:cNvPr>
+          <p:cNvPicPr>
+            <a:picLocks noChangeAspect="1"/>
+          </p:cNvPicPr>
+          <p:nvPr/>
+        </p:nvPicPr>
+        <p:blipFill rotWithShape="1">
+          <a:blip r:embed="rId7">
+            <a:extLst>
+              <a:ext uri="{28A0092B-C50C-407E-A947-70E740481C1C}">
+                <a14:useLocalDpi xmlns:a14="http://schemas.microsoft.com/office/drawing/2010/main" val="0"/>
+              </a:ext>
+            </a:extLst>
+          </a:blip>
+          <a:srcRect l="20676" t="10667" r="21617" b="10385"/>
+          <a:stretch/>
+        </p:blipFill>
+        <p:spPr>
+          <a:xfrm>
+            <a:off x="7051957" y="2473415"/>
+            <a:ext cx="1051626" cy="1438705"/>
+          </a:xfrm>
+          <a:prstGeom prst="rect">
+            <a:avLst/>
+          </a:prstGeom>
+        </p:spPr>
+      </p:pic>
+      <p:pic>
+        <p:nvPicPr>
+          <p:cNvPr id="6" name="Graphique 5" descr="Ligne fléchée : pivoter à gauche">
+            <a:extLst>
+              <a:ext uri="{FF2B5EF4-FFF2-40B4-BE49-F238E27FC236}">
+                <a16:creationId xmlns:a16="http://schemas.microsoft.com/office/drawing/2014/main" id="{A62A0AD1-0194-4A54-B0E8-74DA60D8EF8C}"/>
+              </a:ext>
+            </a:extLst>
+          </p:cNvPr>
+          <p:cNvPicPr>
+            <a:picLocks noChangeAspect="1"/>
+          </p:cNvPicPr>
+          <p:nvPr/>
+        </p:nvPicPr>
+        <p:blipFill>
+          <a:blip r:embed="rId8">
+            <a:extLst>
+              <a:ext uri="{28A0092B-C50C-407E-A947-70E740481C1C}">
+                <a14:useLocalDpi xmlns:a14="http://schemas.microsoft.com/office/drawing/2010/main" val="0"/>
+              </a:ext>
+              <a:ext uri="{96DAC541-7B7A-43D3-8B79-37D633B846F1}">
+                <asvg:svgBlip xmlns:asvg="http://schemas.microsoft.com/office/drawing/2016/SVG/main" r:embed="rId9"/>
+              </a:ext>
+            </a:extLst>
+          </a:blip>
+          <a:stretch>
+            <a:fillRect/>
+          </a:stretch>
+        </p:blipFill>
+        <p:spPr>
+          <a:xfrm>
+            <a:off x="7051957" y="1459782"/>
+            <a:ext cx="914400" cy="914400"/>
+          </a:xfrm>
+          <a:prstGeom prst="rect">
+            <a:avLst/>
+          </a:prstGeom>
+        </p:spPr>
+      </p:pic>
+      <p:sp>
+        <p:nvSpPr>
+          <p:cNvPr id="12" name="ZoneTexte 11">
+            <a:extLst>
+              <a:ext uri="{FF2B5EF4-FFF2-40B4-BE49-F238E27FC236}">
+                <a16:creationId xmlns:a16="http://schemas.microsoft.com/office/drawing/2014/main" id="{8316990D-7350-4866-9E61-B5487933DA18}"/>
+              </a:ext>
+            </a:extLst>
+          </p:cNvPr>
+          <p:cNvSpPr txBox="1"/>
+          <p:nvPr/>
+        </p:nvSpPr>
+        <p:spPr>
+          <a:xfrm>
+            <a:off x="7051957" y="3893536"/>
+            <a:ext cx="1445491" cy="338554"/>
+          </a:xfrm>
+          <a:prstGeom prst="rect">
+            <a:avLst/>
+          </a:prstGeom>
+          <a:noFill/>
+        </p:spPr>
+        <p:txBody>
+          <a:bodyPr wrap="square" rtlCol="0">
+            <a:spAutoFit/>
+          </a:bodyPr>
+          <a:lstStyle/>
+          <a:p>
+            <a:r>
+              <a:rPr lang="fr-FR" sz="1600" dirty="0">
+                <a:latin typeface="Abadi Extra Light" panose="020B0204020104020204" pitchFamily="34" charset="0"/>
+              </a:rPr>
+              <a:t>Serveur Jenkins</a:t>
+            </a:r>
+          </a:p>
+        </p:txBody>
+      </p:sp>
+      <p:sp>
+        <p:nvSpPr>
+          <p:cNvPr id="13" name="ZoneTexte 12">
+            <a:extLst>
+              <a:ext uri="{FF2B5EF4-FFF2-40B4-BE49-F238E27FC236}">
+                <a16:creationId xmlns:a16="http://schemas.microsoft.com/office/drawing/2014/main" id="{0928F2F4-5AA3-44C0-821A-2C3731850117}"/>
+              </a:ext>
+            </a:extLst>
+          </p:cNvPr>
+          <p:cNvSpPr txBox="1"/>
+          <p:nvPr/>
+        </p:nvSpPr>
+        <p:spPr>
+          <a:xfrm>
+            <a:off x="7261541" y="1209357"/>
+            <a:ext cx="1445491" cy="369332"/>
+          </a:xfrm>
+          <a:prstGeom prst="rect">
+            <a:avLst/>
+          </a:prstGeom>
+          <a:noFill/>
+        </p:spPr>
+        <p:txBody>
+          <a:bodyPr wrap="square" rtlCol="0">
+            <a:spAutoFit/>
+          </a:bodyPr>
+          <a:lstStyle/>
+          <a:p>
+            <a:r>
+              <a:rPr lang="fr-FR" i="1" dirty="0" err="1">
+                <a:latin typeface="Abadi Extra Light" panose="020B0204020104020204" pitchFamily="34" charset="0"/>
+              </a:rPr>
+              <a:t>Build</a:t>
+            </a:r>
+            <a:endParaRPr lang="fr-FR" i="1" dirty="0">
+              <a:latin typeface="Abadi Extra Light" panose="020B0204020104020204" pitchFamily="34" charset="0"/>
+            </a:endParaRPr>
+          </a:p>
+        </p:txBody>
+      </p:sp>
+    </p:spTree>
+    <p:extLst>
+      <p:ext uri="{BB962C8B-B14F-4D97-AF65-F5344CB8AC3E}">
+        <p14:creationId xmlns:p14="http://schemas.microsoft.com/office/powerpoint/2010/main" val="1777717440"/>
+      </p:ext>
+    </p:extLst>
+  </p:cSld>
+  <p:clrMapOvr>
+    <a:masterClrMapping/>
+  </p:clrMapOvr>
+  <mc:AlternateContent xmlns:mc="http://schemas.openxmlformats.org/markup-compatibility/2006" xmlns:p14="http://schemas.microsoft.com/office/powerpoint/2010/main">
+    <mc:Choice Requires="p14">
+      <p:transition>
+        <p14:ripple/>
+      </p:transition>
+    </mc:Choice>
+    <mc:Fallback xmlns="">
+      <p:transition>
+        <p:fade/>
+      </p:transition>
+    </mc:Fallback>
+  </mc:AlternateContent>
+</p:sld>
+</file>
+
+<file path=ppt/slides/slide6.xml><?xml version="1.0" encoding="utf-8"?>
+<p:sld xmlns:a="http://schemas.openxmlformats.org/drawingml/2006/main" xmlns:r="http://schemas.openxmlformats.org/officeDocument/2006/relationships" xmlns:p="http://schemas.openxmlformats.org/presentationml/2006/main">
+  <p:cSld>
+    <p:spTree>
+      <p:nvGrpSpPr>
+        <p:cNvPr id="1" name=""/>
+        <p:cNvGrpSpPr/>
+        <p:nvPr/>
+      </p:nvGrpSpPr>
+      <p:grpSpPr>
+        <a:xfrm>
+          <a:off x="0" y="0"/>
+          <a:ext cx="0" cy="0"/>
+          <a:chOff x="0" y="0"/>
+          <a:chExt cx="0" cy="0"/>
+        </a:xfrm>
+      </p:grpSpPr>
+      <p:pic>
+        <p:nvPicPr>
+          <p:cNvPr id="7" name="Graphique 6" descr="Écran">
+            <a:extLst>
+              <a:ext uri="{FF2B5EF4-FFF2-40B4-BE49-F238E27FC236}">
+                <a16:creationId xmlns:a16="http://schemas.microsoft.com/office/drawing/2014/main" id="{B37049E4-6FF3-4A3E-8CA8-223D88E7C732}"/>
+              </a:ext>
+            </a:extLst>
+          </p:cNvPr>
+          <p:cNvPicPr>
+            <a:picLocks noChangeAspect="1"/>
+          </p:cNvPicPr>
+          <p:nvPr/>
+        </p:nvPicPr>
+        <p:blipFill>
+          <a:blip r:embed="rId2">
+            <a:extLst>
+              <a:ext uri="{28A0092B-C50C-407E-A947-70E740481C1C}">
+                <a14:useLocalDpi xmlns:a14="http://schemas.microsoft.com/office/drawing/2010/main" val="0"/>
+              </a:ext>
+              <a:ext uri="{96DAC541-7B7A-43D3-8B79-37D633B846F1}">
+                <asvg:svgBlip xmlns:asvg="http://schemas.microsoft.com/office/drawing/2016/SVG/main" r:embed="rId3"/>
+              </a:ext>
+            </a:extLst>
+          </a:blip>
+          <a:stretch>
+            <a:fillRect/>
+          </a:stretch>
+        </p:blipFill>
+        <p:spPr>
+          <a:xfrm>
+            <a:off x="306944" y="2563420"/>
+            <a:ext cx="1251857" cy="1251857"/>
+          </a:xfrm>
+          <a:prstGeom prst="rect">
+            <a:avLst/>
+          </a:prstGeom>
+        </p:spPr>
+      </p:pic>
+      <p:pic>
+        <p:nvPicPr>
+          <p:cNvPr id="3" name="Image 2" descr="Une image contenant dessin, roue&#10;&#10;Description générée automatiquement">
+            <a:extLst>
+              <a:ext uri="{FF2B5EF4-FFF2-40B4-BE49-F238E27FC236}">
+                <a16:creationId xmlns:a16="http://schemas.microsoft.com/office/drawing/2014/main" id="{E0A04B6D-7064-40FB-BE67-FAAFC36CC90C}"/>
+              </a:ext>
+            </a:extLst>
+          </p:cNvPr>
+          <p:cNvPicPr>
+            <a:picLocks noChangeAspect="1"/>
+          </p:cNvPicPr>
+          <p:nvPr/>
+        </p:nvPicPr>
+        <p:blipFill>
+          <a:blip r:embed="rId4">
+            <a:extLst>
+              <a:ext uri="{28A0092B-C50C-407E-A947-70E740481C1C}">
+                <a14:useLocalDpi xmlns:a14="http://schemas.microsoft.com/office/drawing/2010/main" val="0"/>
+              </a:ext>
+            </a:extLst>
+          </a:blip>
+          <a:stretch>
+            <a:fillRect/>
+          </a:stretch>
+        </p:blipFill>
+        <p:spPr>
+          <a:xfrm>
+            <a:off x="3620157" y="2606962"/>
+            <a:ext cx="1164771" cy="1164771"/>
+          </a:xfrm>
+          <a:prstGeom prst="rect">
+            <a:avLst/>
+          </a:prstGeom>
+        </p:spPr>
+      </p:pic>
+      <p:sp>
+        <p:nvSpPr>
+          <p:cNvPr id="10" name="ZoneTexte 9">
+            <a:extLst>
+              <a:ext uri="{FF2B5EF4-FFF2-40B4-BE49-F238E27FC236}">
+                <a16:creationId xmlns:a16="http://schemas.microsoft.com/office/drawing/2014/main" id="{FB482D30-3D0F-4AC0-820F-37E03E6E5B54}"/>
+              </a:ext>
+            </a:extLst>
+          </p:cNvPr>
+          <p:cNvSpPr txBox="1"/>
+          <p:nvPr/>
+        </p:nvSpPr>
+        <p:spPr>
+          <a:xfrm>
+            <a:off x="3620157" y="3893648"/>
+            <a:ext cx="1445491" cy="338554"/>
+          </a:xfrm>
+          <a:prstGeom prst="rect">
+            <a:avLst/>
+          </a:prstGeom>
+          <a:noFill/>
+        </p:spPr>
+        <p:txBody>
+          <a:bodyPr wrap="square" rtlCol="0">
+            <a:spAutoFit/>
+          </a:bodyPr>
+          <a:lstStyle/>
+          <a:p>
+            <a:r>
+              <a:rPr lang="fr-FR" sz="1600" dirty="0">
+                <a:latin typeface="Abadi Extra Light" panose="020B0204020104020204" pitchFamily="34" charset="0"/>
+              </a:rPr>
+              <a:t>Git/Sources</a:t>
+            </a:r>
+          </a:p>
+        </p:txBody>
+      </p:sp>
+      <p:pic>
+        <p:nvPicPr>
+          <p:cNvPr id="11" name="Image 10" descr="Une image contenant dessin&#10;&#10;Description générée automatiquement">
+            <a:extLst>
+              <a:ext uri="{FF2B5EF4-FFF2-40B4-BE49-F238E27FC236}">
+                <a16:creationId xmlns:a16="http://schemas.microsoft.com/office/drawing/2014/main" id="{0679F026-553B-47C3-85A7-86F0F7106330}"/>
+              </a:ext>
+            </a:extLst>
+          </p:cNvPr>
+          <p:cNvPicPr>
+            <a:picLocks noChangeAspect="1"/>
+          </p:cNvPicPr>
+          <p:nvPr/>
+        </p:nvPicPr>
+        <p:blipFill rotWithShape="1">
+          <a:blip r:embed="rId5">
+            <a:extLst>
+              <a:ext uri="{28A0092B-C50C-407E-A947-70E740481C1C}">
+                <a14:useLocalDpi xmlns:a14="http://schemas.microsoft.com/office/drawing/2010/main" val="0"/>
+              </a:ext>
+            </a:extLst>
+          </a:blip>
+          <a:srcRect l="20676" t="10667" r="21617" b="10385"/>
+          <a:stretch/>
+        </p:blipFill>
+        <p:spPr>
+          <a:xfrm>
+            <a:off x="7051957" y="2473415"/>
+            <a:ext cx="1051626" cy="1438705"/>
+          </a:xfrm>
+          <a:prstGeom prst="rect">
+            <a:avLst/>
+          </a:prstGeom>
+        </p:spPr>
+      </p:pic>
+      <p:pic>
+        <p:nvPicPr>
+          <p:cNvPr id="6" name="Graphique 5" descr="Ligne fléchée : pivoter à gauche">
+            <a:extLst>
+              <a:ext uri="{FF2B5EF4-FFF2-40B4-BE49-F238E27FC236}">
+                <a16:creationId xmlns:a16="http://schemas.microsoft.com/office/drawing/2014/main" id="{A62A0AD1-0194-4A54-B0E8-74DA60D8EF8C}"/>
+              </a:ext>
+            </a:extLst>
+          </p:cNvPr>
+          <p:cNvPicPr>
+            <a:picLocks noChangeAspect="1"/>
+          </p:cNvPicPr>
+          <p:nvPr/>
+        </p:nvPicPr>
+        <p:blipFill>
+          <a:blip r:embed="rId6">
+            <a:extLst>
+              <a:ext uri="{28A0092B-C50C-407E-A947-70E740481C1C}">
+                <a14:useLocalDpi xmlns:a14="http://schemas.microsoft.com/office/drawing/2010/main" val="0"/>
+              </a:ext>
+              <a:ext uri="{96DAC541-7B7A-43D3-8B79-37D633B846F1}">
+                <asvg:svgBlip xmlns:asvg="http://schemas.microsoft.com/office/drawing/2016/SVG/main" r:embed="rId7"/>
+              </a:ext>
+            </a:extLst>
+          </a:blip>
+          <a:stretch>
+            <a:fillRect/>
+          </a:stretch>
+        </p:blipFill>
+        <p:spPr>
+          <a:xfrm>
+            <a:off x="7051957" y="1459782"/>
+            <a:ext cx="914400" cy="914400"/>
+          </a:xfrm>
+          <a:prstGeom prst="rect">
+            <a:avLst/>
+          </a:prstGeom>
+        </p:spPr>
+      </p:pic>
+      <p:pic>
+        <p:nvPicPr>
+          <p:cNvPr id="9" name="Graphique 8" descr="Papier">
+            <a:extLst>
+              <a:ext uri="{FF2B5EF4-FFF2-40B4-BE49-F238E27FC236}">
+                <a16:creationId xmlns:a16="http://schemas.microsoft.com/office/drawing/2014/main" id="{C7097F82-BDC9-4CE6-A6A0-322CF99B4869}"/>
+              </a:ext>
+            </a:extLst>
+          </p:cNvPr>
+          <p:cNvPicPr>
+            <a:picLocks noChangeAspect="1"/>
+          </p:cNvPicPr>
+          <p:nvPr/>
+        </p:nvPicPr>
+        <p:blipFill>
+          <a:blip r:embed="rId8">
+            <a:extLst>
+              <a:ext uri="{28A0092B-C50C-407E-A947-70E740481C1C}">
+                <a14:useLocalDpi xmlns:a14="http://schemas.microsoft.com/office/drawing/2010/main" val="0"/>
+              </a:ext>
+              <a:ext uri="{96DAC541-7B7A-43D3-8B79-37D633B846F1}">
+                <asvg:svgBlip xmlns:asvg="http://schemas.microsoft.com/office/drawing/2016/SVG/main" r:embed="rId9"/>
+              </a:ext>
+            </a:extLst>
+          </a:blip>
+          <a:srcRect/>
+          <a:stretch/>
+        </p:blipFill>
+        <p:spPr>
+          <a:xfrm>
+            <a:off x="7189183" y="4326575"/>
+            <a:ext cx="914400" cy="914400"/>
+          </a:xfrm>
+          <a:prstGeom prst="rect">
+            <a:avLst/>
+          </a:prstGeom>
+        </p:spPr>
+      </p:pic>
+      <p:sp>
+        <p:nvSpPr>
+          <p:cNvPr id="12" name="ZoneTexte 11">
+            <a:extLst>
+              <a:ext uri="{FF2B5EF4-FFF2-40B4-BE49-F238E27FC236}">
+                <a16:creationId xmlns:a16="http://schemas.microsoft.com/office/drawing/2014/main" id="{E0FF6218-C3DE-498D-B8C9-0D1ACCB77F76}"/>
+              </a:ext>
+            </a:extLst>
+          </p:cNvPr>
+          <p:cNvSpPr txBox="1"/>
+          <p:nvPr/>
+        </p:nvSpPr>
+        <p:spPr>
+          <a:xfrm>
+            <a:off x="7183239" y="5259004"/>
+            <a:ext cx="1445491" cy="338554"/>
+          </a:xfrm>
+          <a:prstGeom prst="rect">
+            <a:avLst/>
+          </a:prstGeom>
+          <a:noFill/>
+        </p:spPr>
+        <p:txBody>
+          <a:bodyPr wrap="square" rtlCol="0">
+            <a:spAutoFit/>
+          </a:bodyPr>
+          <a:lstStyle/>
+          <a:p>
+            <a:r>
+              <a:rPr lang="fr-FR" sz="1600" dirty="0">
+                <a:latin typeface="Abadi Extra Light" panose="020B0204020104020204" pitchFamily="34" charset="0"/>
+              </a:rPr>
+              <a:t>New </a:t>
+            </a:r>
+            <a:r>
+              <a:rPr lang="fr-FR" sz="1600" dirty="0" err="1">
+                <a:latin typeface="Abadi Extra Light" panose="020B0204020104020204" pitchFamily="34" charset="0"/>
+              </a:rPr>
+              <a:t>Build</a:t>
+            </a:r>
+            <a:endParaRPr lang="fr-FR" sz="1600" dirty="0">
+              <a:latin typeface="Abadi Extra Light" panose="020B0204020104020204" pitchFamily="34" charset="0"/>
+            </a:endParaRPr>
+          </a:p>
+        </p:txBody>
+      </p:sp>
+      <p:sp>
+        <p:nvSpPr>
+          <p:cNvPr id="13" name="ZoneTexte 12">
+            <a:extLst>
+              <a:ext uri="{FF2B5EF4-FFF2-40B4-BE49-F238E27FC236}">
+                <a16:creationId xmlns:a16="http://schemas.microsoft.com/office/drawing/2014/main" id="{55309D7C-8248-42A8-9E64-6E104D1A94E0}"/>
+              </a:ext>
+            </a:extLst>
+          </p:cNvPr>
+          <p:cNvSpPr txBox="1"/>
+          <p:nvPr/>
+        </p:nvSpPr>
+        <p:spPr>
+          <a:xfrm>
+            <a:off x="7243611" y="1151960"/>
+            <a:ext cx="1445491" cy="369332"/>
+          </a:xfrm>
+          <a:prstGeom prst="rect">
+            <a:avLst/>
+          </a:prstGeom>
+          <a:noFill/>
+        </p:spPr>
+        <p:txBody>
+          <a:bodyPr wrap="square" rtlCol="0">
+            <a:spAutoFit/>
+          </a:bodyPr>
+          <a:lstStyle/>
+          <a:p>
+            <a:r>
+              <a:rPr lang="fr-FR" i="1" dirty="0">
+                <a:latin typeface="Abadi Extra Light" panose="020B0204020104020204" pitchFamily="34" charset="0"/>
+              </a:rPr>
+              <a:t>Tests</a:t>
+            </a:r>
+          </a:p>
+        </p:txBody>
+      </p:sp>
+    </p:spTree>
+    <p:extLst>
+      <p:ext uri="{BB962C8B-B14F-4D97-AF65-F5344CB8AC3E}">
+        <p14:creationId xmlns:p14="http://schemas.microsoft.com/office/powerpoint/2010/main" val="2756303889"/>
+      </p:ext>
+    </p:extLst>
+  </p:cSld>
+  <p:clrMapOvr>
+    <a:masterClrMapping/>
+  </p:clrMapOvr>
+  <mc:AlternateContent xmlns:mc="http://schemas.openxmlformats.org/markup-compatibility/2006" xmlns:p14="http://schemas.microsoft.com/office/powerpoint/2010/main">
+    <mc:Choice Requires="p14">
+      <p:transition>
+        <p14:ripple/>
+      </p:transition>
+    </mc:Choice>
+    <mc:Fallback xmlns="">
+      <p:transition>
+        <p:fade/>
+      </p:transition>
+    </mc:Fallback>
+  </mc:AlternateContent>
+</p:sld>
+</file>
+
+<file path=ppt/slides/slide7.xml><?xml version="1.0" encoding="utf-8"?>
+<p:sld xmlns:a="http://schemas.openxmlformats.org/drawingml/2006/main" xmlns:r="http://schemas.openxmlformats.org/officeDocument/2006/relationships" xmlns:p="http://schemas.openxmlformats.org/presentationml/2006/main">
+  <p:cSld>
+    <p:spTree>
+      <p:nvGrpSpPr>
+        <p:cNvPr id="1" name=""/>
+        <p:cNvGrpSpPr/>
+        <p:nvPr/>
+      </p:nvGrpSpPr>
+      <p:grpSpPr>
+        <a:xfrm>
+          <a:off x="0" y="0"/>
+          <a:ext cx="0" cy="0"/>
+          <a:chOff x="0" y="0"/>
+          <a:chExt cx="0" cy="0"/>
+        </a:xfrm>
+      </p:grpSpPr>
+      <p:pic>
+        <p:nvPicPr>
+          <p:cNvPr id="7" name="Graphique 6" descr="Écran">
+            <a:extLst>
+              <a:ext uri="{FF2B5EF4-FFF2-40B4-BE49-F238E27FC236}">
+                <a16:creationId xmlns:a16="http://schemas.microsoft.com/office/drawing/2014/main" id="{B37049E4-6FF3-4A3E-8CA8-223D88E7C732}"/>
+              </a:ext>
+            </a:extLst>
+          </p:cNvPr>
+          <p:cNvPicPr>
+            <a:picLocks noChangeAspect="1"/>
+          </p:cNvPicPr>
+          <p:nvPr/>
+        </p:nvPicPr>
+        <p:blipFill>
+          <a:blip r:embed="rId2">
+            <a:extLst>
+              <a:ext uri="{28A0092B-C50C-407E-A947-70E740481C1C}">
+                <a14:useLocalDpi xmlns:a14="http://schemas.microsoft.com/office/drawing/2010/main" val="0"/>
+              </a:ext>
+              <a:ext uri="{96DAC541-7B7A-43D3-8B79-37D633B846F1}">
+                <asvg:svgBlip xmlns:asvg="http://schemas.microsoft.com/office/drawing/2016/SVG/main" r:embed="rId3"/>
+              </a:ext>
+            </a:extLst>
+          </a:blip>
+          <a:stretch>
+            <a:fillRect/>
+          </a:stretch>
+        </p:blipFill>
+        <p:spPr>
+          <a:xfrm>
+            <a:off x="306944" y="2563420"/>
+            <a:ext cx="1251857" cy="1251857"/>
+          </a:xfrm>
+          <a:prstGeom prst="rect">
+            <a:avLst/>
+          </a:prstGeom>
+        </p:spPr>
+      </p:pic>
+      <p:pic>
+        <p:nvPicPr>
+          <p:cNvPr id="3" name="Image 2" descr="Une image contenant dessin, roue&#10;&#10;Description générée automatiquement">
+            <a:extLst>
+              <a:ext uri="{FF2B5EF4-FFF2-40B4-BE49-F238E27FC236}">
+                <a16:creationId xmlns:a16="http://schemas.microsoft.com/office/drawing/2014/main" id="{E0A04B6D-7064-40FB-BE67-FAAFC36CC90C}"/>
+              </a:ext>
+            </a:extLst>
+          </p:cNvPr>
+          <p:cNvPicPr>
+            <a:picLocks noChangeAspect="1"/>
+          </p:cNvPicPr>
+          <p:nvPr/>
+        </p:nvPicPr>
+        <p:blipFill>
+          <a:blip r:embed="rId4">
+            <a:extLst>
+              <a:ext uri="{28A0092B-C50C-407E-A947-70E740481C1C}">
+                <a14:useLocalDpi xmlns:a14="http://schemas.microsoft.com/office/drawing/2010/main" val="0"/>
+              </a:ext>
+            </a:extLst>
+          </a:blip>
+          <a:stretch>
+            <a:fillRect/>
+          </a:stretch>
+        </p:blipFill>
+        <p:spPr>
+          <a:xfrm>
+            <a:off x="3620157" y="2606962"/>
+            <a:ext cx="1164771" cy="1164771"/>
+          </a:xfrm>
+          <a:prstGeom prst="rect">
+            <a:avLst/>
+          </a:prstGeom>
+        </p:spPr>
+      </p:pic>
+      <p:pic>
+        <p:nvPicPr>
+          <p:cNvPr id="4" name="Graphique 3" descr="Document">
+            <a:extLst>
+              <a:ext uri="{FF2B5EF4-FFF2-40B4-BE49-F238E27FC236}">
+                <a16:creationId xmlns:a16="http://schemas.microsoft.com/office/drawing/2014/main" id="{3C224C3B-627B-46EE-8624-1FA1C795A3A4}"/>
+              </a:ext>
+            </a:extLst>
+          </p:cNvPr>
+          <p:cNvPicPr>
+            <a:picLocks noChangeAspect="1"/>
+          </p:cNvPicPr>
+          <p:nvPr/>
+        </p:nvPicPr>
+        <p:blipFill>
+          <a:blip r:embed="rId5">
+            <a:extLst>
+              <a:ext uri="{28A0092B-C50C-407E-A947-70E740481C1C}">
+                <a14:useLocalDpi xmlns:a14="http://schemas.microsoft.com/office/drawing/2010/main" val="0"/>
+              </a:ext>
+              <a:ext uri="{96DAC541-7B7A-43D3-8B79-37D633B846F1}">
+                <asvg:svgBlip xmlns:asvg="http://schemas.microsoft.com/office/drawing/2016/SVG/main" r:embed="rId6"/>
+              </a:ext>
+            </a:extLst>
+          </a:blip>
+          <a:stretch>
+            <a:fillRect/>
+          </a:stretch>
+        </p:blipFill>
+        <p:spPr>
+          <a:xfrm>
+            <a:off x="438728" y="3813955"/>
+            <a:ext cx="914400" cy="914400"/>
+          </a:xfrm>
+          <a:prstGeom prst="rect">
+            <a:avLst/>
+          </a:prstGeom>
+        </p:spPr>
+      </p:pic>
+      <p:sp>
+        <p:nvSpPr>
+          <p:cNvPr id="5" name="ZoneTexte 4">
+            <a:extLst>
+              <a:ext uri="{FF2B5EF4-FFF2-40B4-BE49-F238E27FC236}">
+                <a16:creationId xmlns:a16="http://schemas.microsoft.com/office/drawing/2014/main" id="{8B832C5E-4CC8-4B23-8B95-02BE944EE639}"/>
+              </a:ext>
+            </a:extLst>
+          </p:cNvPr>
+          <p:cNvSpPr txBox="1"/>
+          <p:nvPr/>
+        </p:nvSpPr>
+        <p:spPr>
+          <a:xfrm>
+            <a:off x="306944" y="4728580"/>
+            <a:ext cx="1445491" cy="338554"/>
+          </a:xfrm>
+          <a:prstGeom prst="rect">
+            <a:avLst/>
+          </a:prstGeom>
+          <a:noFill/>
+        </p:spPr>
+        <p:txBody>
+          <a:bodyPr wrap="square" rtlCol="0">
+            <a:spAutoFit/>
+          </a:bodyPr>
+          <a:lstStyle/>
+          <a:p>
+            <a:r>
+              <a:rPr lang="fr-FR" sz="1600" dirty="0">
+                <a:latin typeface="Abadi Extra Light" panose="020B0204020104020204" pitchFamily="34" charset="0"/>
+              </a:rPr>
+              <a:t>New sources</a:t>
+            </a:r>
+          </a:p>
+        </p:txBody>
+      </p:sp>
+      <p:sp>
+        <p:nvSpPr>
+          <p:cNvPr id="10" name="ZoneTexte 9">
+            <a:extLst>
+              <a:ext uri="{FF2B5EF4-FFF2-40B4-BE49-F238E27FC236}">
+                <a16:creationId xmlns:a16="http://schemas.microsoft.com/office/drawing/2014/main" id="{FB482D30-3D0F-4AC0-820F-37E03E6E5B54}"/>
+              </a:ext>
+            </a:extLst>
+          </p:cNvPr>
+          <p:cNvSpPr txBox="1"/>
+          <p:nvPr/>
+        </p:nvSpPr>
+        <p:spPr>
+          <a:xfrm>
+            <a:off x="3620157" y="3893648"/>
+            <a:ext cx="1445491" cy="338554"/>
+          </a:xfrm>
+          <a:prstGeom prst="rect">
+            <a:avLst/>
+          </a:prstGeom>
+          <a:noFill/>
+        </p:spPr>
+        <p:txBody>
+          <a:bodyPr wrap="square" rtlCol="0">
+            <a:spAutoFit/>
+          </a:bodyPr>
+          <a:lstStyle/>
+          <a:p>
+            <a:r>
+              <a:rPr lang="fr-FR" sz="1600" dirty="0">
+                <a:latin typeface="Abadi Extra Light" panose="020B0204020104020204" pitchFamily="34" charset="0"/>
+              </a:rPr>
+              <a:t>Git/Sources</a:t>
+            </a:r>
+          </a:p>
+        </p:txBody>
+      </p:sp>
+      <p:pic>
+        <p:nvPicPr>
+          <p:cNvPr id="11" name="Image 10" descr="Une image contenant dessin&#10;&#10;Description générée automatiquement">
+            <a:extLst>
+              <a:ext uri="{FF2B5EF4-FFF2-40B4-BE49-F238E27FC236}">
+                <a16:creationId xmlns:a16="http://schemas.microsoft.com/office/drawing/2014/main" id="{0679F026-553B-47C3-85A7-86F0F7106330}"/>
+              </a:ext>
+            </a:extLst>
+          </p:cNvPr>
+          <p:cNvPicPr>
+            <a:picLocks noChangeAspect="1"/>
+          </p:cNvPicPr>
+          <p:nvPr/>
+        </p:nvPicPr>
+        <p:blipFill rotWithShape="1">
+          <a:blip r:embed="rId7">
+            <a:extLst>
+              <a:ext uri="{28A0092B-C50C-407E-A947-70E740481C1C}">
+                <a14:useLocalDpi xmlns:a14="http://schemas.microsoft.com/office/drawing/2010/main" val="0"/>
+              </a:ext>
+            </a:extLst>
+          </a:blip>
+          <a:srcRect l="20676" t="10667" r="21617" b="10385"/>
+          <a:stretch/>
+        </p:blipFill>
+        <p:spPr>
+          <a:xfrm>
+            <a:off x="7051957" y="2473415"/>
+            <a:ext cx="1051626" cy="1438705"/>
+          </a:xfrm>
+          <a:prstGeom prst="rect">
+            <a:avLst/>
+          </a:prstGeom>
+        </p:spPr>
+      </p:pic>
+      <p:pic>
+        <p:nvPicPr>
+          <p:cNvPr id="9" name="Image 8" descr="Une image contenant dessin, roue&#10;&#10;Description générée automatiquement">
+            <a:extLst>
+              <a:ext uri="{FF2B5EF4-FFF2-40B4-BE49-F238E27FC236}">
+                <a16:creationId xmlns:a16="http://schemas.microsoft.com/office/drawing/2014/main" id="{B19F8A4D-9C1E-4293-ABA6-E81D6A13EC22}"/>
+              </a:ext>
+            </a:extLst>
+          </p:cNvPr>
+          <p:cNvPicPr>
+            <a:picLocks noChangeAspect="1"/>
+          </p:cNvPicPr>
+          <p:nvPr/>
+        </p:nvPicPr>
+        <p:blipFill>
+          <a:blip r:embed="rId4">
+            <a:extLst>
+              <a:ext uri="{28A0092B-C50C-407E-A947-70E740481C1C}">
+                <a14:useLocalDpi xmlns:a14="http://schemas.microsoft.com/office/drawing/2010/main" val="0"/>
+              </a:ext>
+            </a:extLst>
+          </a:blip>
+          <a:stretch>
+            <a:fillRect/>
+          </a:stretch>
+        </p:blipFill>
+        <p:spPr>
+          <a:xfrm>
+            <a:off x="10370612" y="2606962"/>
+            <a:ext cx="1164771" cy="1164771"/>
+          </a:xfrm>
+          <a:prstGeom prst="rect">
+            <a:avLst/>
+          </a:prstGeom>
+        </p:spPr>
+      </p:pic>
+      <p:cxnSp>
+        <p:nvCxnSpPr>
+          <p:cNvPr id="12" name="Connecteur droit avec flèche 11">
+            <a:extLst>
+              <a:ext uri="{FF2B5EF4-FFF2-40B4-BE49-F238E27FC236}">
+                <a16:creationId xmlns:a16="http://schemas.microsoft.com/office/drawing/2014/main" id="{34E69A8C-8332-42F0-9344-9400EEEC3562}"/>
+              </a:ext>
+            </a:extLst>
+          </p:cNvPr>
+          <p:cNvCxnSpPr>
+            <a:cxnSpLocks/>
+            <a:stCxn id="11" idx="3"/>
+            <a:endCxn id="9" idx="1"/>
+          </p:cNvCxnSpPr>
+          <p:nvPr/>
+        </p:nvCxnSpPr>
+        <p:spPr>
+          <a:xfrm flipV="1">
+            <a:off x="8103583" y="3189348"/>
+            <a:ext cx="2267029" cy="3420"/>
+          </a:xfrm>
+          <a:prstGeom prst="straightConnector1">
+            <a:avLst/>
+          </a:prstGeom>
+          <a:ln w="38100">
+            <a:solidFill>
+              <a:schemeClr val="accent2"/>
+            </a:solidFill>
+            <a:tailEnd type="triangle"/>
+          </a:ln>
+        </p:spPr>
+        <p:style>
+          <a:lnRef idx="1">
+            <a:schemeClr val="accent6"/>
+          </a:lnRef>
+          <a:fillRef idx="0">
+            <a:schemeClr val="accent6"/>
+          </a:fillRef>
+          <a:effectRef idx="0">
+            <a:schemeClr val="accent6"/>
+          </a:effectRef>
+          <a:fontRef idx="minor">
+            <a:schemeClr val="tx1"/>
+          </a:fontRef>
+        </p:style>
+      </p:cxnSp>
+      <p:sp>
+        <p:nvSpPr>
+          <p:cNvPr id="13" name="ZoneTexte 12">
+            <a:extLst>
+              <a:ext uri="{FF2B5EF4-FFF2-40B4-BE49-F238E27FC236}">
+                <a16:creationId xmlns:a16="http://schemas.microsoft.com/office/drawing/2014/main" id="{0C16EF92-D2B8-43CC-929B-4CF8E20E3CCF}"/>
+              </a:ext>
+            </a:extLst>
+          </p:cNvPr>
+          <p:cNvSpPr txBox="1"/>
+          <p:nvPr/>
+        </p:nvSpPr>
+        <p:spPr>
+          <a:xfrm>
+            <a:off x="10594419" y="3893648"/>
+            <a:ext cx="1445491" cy="338554"/>
+          </a:xfrm>
+          <a:prstGeom prst="rect">
+            <a:avLst/>
+          </a:prstGeom>
+          <a:noFill/>
+        </p:spPr>
+        <p:txBody>
+          <a:bodyPr wrap="square" rtlCol="0">
+            <a:spAutoFit/>
+          </a:bodyPr>
+          <a:lstStyle/>
+          <a:p>
+            <a:r>
+              <a:rPr lang="fr-FR" sz="1600" dirty="0">
+                <a:latin typeface="Abadi Extra Light" panose="020B0204020104020204" pitchFamily="34" charset="0"/>
+              </a:rPr>
+              <a:t>Git/Bin</a:t>
+            </a:r>
+          </a:p>
+        </p:txBody>
+      </p:sp>
+      <p:pic>
+        <p:nvPicPr>
+          <p:cNvPr id="19" name="Graphique 18" descr="Papier">
+            <a:extLst>
+              <a:ext uri="{FF2B5EF4-FFF2-40B4-BE49-F238E27FC236}">
+                <a16:creationId xmlns:a16="http://schemas.microsoft.com/office/drawing/2014/main" id="{459FA289-E292-483F-A486-9AD99D9F0475}"/>
+              </a:ext>
+            </a:extLst>
+          </p:cNvPr>
+          <p:cNvPicPr>
+            <a:picLocks noChangeAspect="1"/>
+          </p:cNvPicPr>
+          <p:nvPr/>
+        </p:nvPicPr>
+        <p:blipFill>
+          <a:blip r:embed="rId8">
+            <a:extLst>
+              <a:ext uri="{28A0092B-C50C-407E-A947-70E740481C1C}">
+                <a14:useLocalDpi xmlns:a14="http://schemas.microsoft.com/office/drawing/2010/main" val="0"/>
+              </a:ext>
+              <a:ext uri="{96DAC541-7B7A-43D3-8B79-37D633B846F1}">
+                <asvg:svgBlip xmlns:asvg="http://schemas.microsoft.com/office/drawing/2016/SVG/main" r:embed="rId9"/>
+              </a:ext>
+            </a:extLst>
+          </a:blip>
+          <a:srcRect/>
+          <a:stretch/>
+        </p:blipFill>
+        <p:spPr>
+          <a:xfrm>
+            <a:off x="10528636" y="4232202"/>
+            <a:ext cx="914400" cy="914400"/>
+          </a:xfrm>
+          <a:prstGeom prst="rect">
+            <a:avLst/>
+          </a:prstGeom>
+        </p:spPr>
+      </p:pic>
+      <p:sp>
+        <p:nvSpPr>
+          <p:cNvPr id="20" name="ZoneTexte 19">
+            <a:extLst>
+              <a:ext uri="{FF2B5EF4-FFF2-40B4-BE49-F238E27FC236}">
+                <a16:creationId xmlns:a16="http://schemas.microsoft.com/office/drawing/2014/main" id="{3E7A8D34-57D8-4200-A23F-71FC5900FA09}"/>
+              </a:ext>
+            </a:extLst>
+          </p:cNvPr>
+          <p:cNvSpPr txBox="1"/>
+          <p:nvPr/>
+        </p:nvSpPr>
+        <p:spPr>
+          <a:xfrm>
+            <a:off x="10522692" y="5164631"/>
+            <a:ext cx="1445491" cy="338554"/>
+          </a:xfrm>
+          <a:prstGeom prst="rect">
+            <a:avLst/>
+          </a:prstGeom>
+          <a:noFill/>
+        </p:spPr>
+        <p:txBody>
+          <a:bodyPr wrap="square" rtlCol="0">
+            <a:spAutoFit/>
+          </a:bodyPr>
+          <a:lstStyle/>
+          <a:p>
+            <a:r>
+              <a:rPr lang="fr-FR" sz="1600" dirty="0">
+                <a:latin typeface="Abadi Extra Light" panose="020B0204020104020204" pitchFamily="34" charset="0"/>
+              </a:rPr>
+              <a:t>New </a:t>
+            </a:r>
+            <a:r>
+              <a:rPr lang="fr-FR" sz="1600" dirty="0" err="1">
+                <a:latin typeface="Abadi Extra Light" panose="020B0204020104020204" pitchFamily="34" charset="0"/>
+              </a:rPr>
+              <a:t>Build</a:t>
+            </a:r>
+            <a:endParaRPr lang="fr-FR" sz="1600" dirty="0">
+              <a:latin typeface="Abadi Extra Light" panose="020B0204020104020204" pitchFamily="34" charset="0"/>
+            </a:endParaRPr>
+          </a:p>
+        </p:txBody>
+      </p:sp>
+      <p:sp>
+        <p:nvSpPr>
+          <p:cNvPr id="21" name="ZoneTexte 20">
+            <a:extLst>
+              <a:ext uri="{FF2B5EF4-FFF2-40B4-BE49-F238E27FC236}">
+                <a16:creationId xmlns:a16="http://schemas.microsoft.com/office/drawing/2014/main" id="{85CC6356-53C5-49D6-9C22-04CA84BABD93}"/>
+              </a:ext>
+            </a:extLst>
+          </p:cNvPr>
+          <p:cNvSpPr txBox="1"/>
+          <p:nvPr/>
+        </p:nvSpPr>
+        <p:spPr>
+          <a:xfrm>
+            <a:off x="8644401" y="2820015"/>
+            <a:ext cx="1445491" cy="369332"/>
+          </a:xfrm>
+          <a:prstGeom prst="rect">
+            <a:avLst/>
+          </a:prstGeom>
+          <a:noFill/>
+        </p:spPr>
+        <p:txBody>
+          <a:bodyPr wrap="square" rtlCol="0">
+            <a:spAutoFit/>
+          </a:bodyPr>
+          <a:lstStyle/>
+          <a:p>
+            <a:r>
+              <a:rPr lang="fr-FR" i="1" dirty="0">
+                <a:latin typeface="Abadi Extra Light" panose="020B0204020104020204" pitchFamily="34" charset="0"/>
+              </a:rPr>
+              <a:t>Git Push</a:t>
+            </a:r>
+          </a:p>
+        </p:txBody>
+      </p:sp>
+    </p:spTree>
+    <p:extLst>
+      <p:ext uri="{BB962C8B-B14F-4D97-AF65-F5344CB8AC3E}">
+        <p14:creationId xmlns:p14="http://schemas.microsoft.com/office/powerpoint/2010/main" val="1669007166"/>
+      </p:ext>
+    </p:extLst>
+  </p:cSld>
+  <p:clrMapOvr>
+    <a:masterClrMapping/>
+  </p:clrMapOvr>
+  <mc:AlternateContent xmlns:mc="http://schemas.openxmlformats.org/markup-compatibility/2006" xmlns:p14="http://schemas.microsoft.com/office/powerpoint/2010/main">
+    <mc:Choice Requires="p14">
+      <p:transition>
+        <p14:ripple/>
+      </p:transition>
+    </mc:Choice>
+    <mc:Fallback xmlns="">
+      <p:transition>
+        <p:fade/>
+      </p:transition>
+    </mc:Fallback>
+  </mc:AlternateContent>
+</p:sld>
+</file>
+
+<file path=ppt/slides/slide8.xml><?xml version="1.0" encoding="utf-8"?>
+<p:sld xmlns:a="http://schemas.openxmlformats.org/drawingml/2006/main" xmlns:r="http://schemas.openxmlformats.org/officeDocument/2006/relationships" xmlns:p="http://schemas.openxmlformats.org/presentationml/2006/main">
+  <p:cSld>
+    <p:spTree>
+      <p:nvGrpSpPr>
+        <p:cNvPr id="1" name=""/>
+        <p:cNvGrpSpPr/>
+        <p:nvPr/>
+      </p:nvGrpSpPr>
+      <p:grpSpPr>
+        <a:xfrm>
+          <a:off x="0" y="0"/>
+          <a:ext cx="0" cy="0"/>
+          <a:chOff x="0" y="0"/>
+          <a:chExt cx="0" cy="0"/>
+        </a:xfrm>
+      </p:grpSpPr>
+      <p:pic>
+        <p:nvPicPr>
+          <p:cNvPr id="9" name="Image 8" descr="Une image contenant dessin, roue&#10;&#10;Description générée automatiquement">
+            <a:extLst>
+              <a:ext uri="{FF2B5EF4-FFF2-40B4-BE49-F238E27FC236}">
+                <a16:creationId xmlns:a16="http://schemas.microsoft.com/office/drawing/2014/main" id="{B19F8A4D-9C1E-4293-ABA6-E81D6A13EC22}"/>
+              </a:ext>
+            </a:extLst>
+          </p:cNvPr>
+          <p:cNvPicPr>
+            <a:picLocks noChangeAspect="1"/>
+          </p:cNvPicPr>
+          <p:nvPr/>
+        </p:nvPicPr>
+        <p:blipFill>
+          <a:blip r:embed="rId2">
+            <a:extLst>
+              <a:ext uri="{28A0092B-C50C-407E-A947-70E740481C1C}">
+                <a14:useLocalDpi xmlns:a14="http://schemas.microsoft.com/office/drawing/2010/main" val="0"/>
+              </a:ext>
+            </a:extLst>
+          </a:blip>
+          <a:stretch>
+            <a:fillRect/>
+          </a:stretch>
+        </p:blipFill>
+        <p:spPr>
+          <a:xfrm>
+            <a:off x="10370612" y="2606962"/>
+            <a:ext cx="1164771" cy="1164771"/>
+          </a:xfrm>
+          <a:prstGeom prst="rect">
+            <a:avLst/>
+          </a:prstGeom>
+        </p:spPr>
+      </p:pic>
+      <p:sp>
+        <p:nvSpPr>
+          <p:cNvPr id="13" name="ZoneTexte 12">
+            <a:extLst>
+              <a:ext uri="{FF2B5EF4-FFF2-40B4-BE49-F238E27FC236}">
+                <a16:creationId xmlns:a16="http://schemas.microsoft.com/office/drawing/2014/main" id="{0C16EF92-D2B8-43CC-929B-4CF8E20E3CCF}"/>
+              </a:ext>
+            </a:extLst>
+          </p:cNvPr>
+          <p:cNvSpPr txBox="1"/>
+          <p:nvPr/>
+        </p:nvSpPr>
+        <p:spPr>
+          <a:xfrm>
+            <a:off x="10594419" y="3893648"/>
+            <a:ext cx="1445491" cy="338554"/>
+          </a:xfrm>
+          <a:prstGeom prst="rect">
+            <a:avLst/>
+          </a:prstGeom>
+          <a:noFill/>
+        </p:spPr>
+        <p:txBody>
+          <a:bodyPr wrap="square" rtlCol="0">
+            <a:spAutoFit/>
+          </a:bodyPr>
+          <a:lstStyle/>
+          <a:p>
+            <a:r>
+              <a:rPr lang="fr-FR" sz="1600" dirty="0">
+                <a:latin typeface="Abadi Extra Light" panose="020B0204020104020204" pitchFamily="34" charset="0"/>
+              </a:rPr>
+              <a:t>Git/Bin</a:t>
+            </a:r>
+          </a:p>
+        </p:txBody>
+      </p:sp>
+      <p:pic>
+        <p:nvPicPr>
+          <p:cNvPr id="6" name="Image 5" descr="Une image contenant équipement électronique, circuit&#10;&#10;Description générée automatiquement">
+            <a:extLst>
+              <a:ext uri="{FF2B5EF4-FFF2-40B4-BE49-F238E27FC236}">
+                <a16:creationId xmlns:a16="http://schemas.microsoft.com/office/drawing/2014/main" id="{52260D9F-A3BD-4566-96CF-757F47B13488}"/>
+              </a:ext>
+            </a:extLst>
+          </p:cNvPr>
+          <p:cNvPicPr>
+            <a:picLocks noChangeAspect="1"/>
+          </p:cNvPicPr>
+          <p:nvPr/>
+        </p:nvPicPr>
+        <p:blipFill rotWithShape="1">
+          <a:blip r:embed="rId3">
+            <a:extLst>
+              <a:ext uri="{28A0092B-C50C-407E-A947-70E740481C1C}">
+                <a14:useLocalDpi xmlns:a14="http://schemas.microsoft.com/office/drawing/2010/main" val="0"/>
+              </a:ext>
+            </a:extLst>
+          </a:blip>
+          <a:srcRect l="4789" t="31495" r="4637" b="28506"/>
+          <a:stretch/>
+        </p:blipFill>
+        <p:spPr>
+          <a:xfrm>
+            <a:off x="2554013" y="376332"/>
+            <a:ext cx="2461331" cy="1086984"/>
+          </a:xfrm>
+          <a:prstGeom prst="rect">
+            <a:avLst/>
+          </a:prstGeom>
+        </p:spPr>
+      </p:pic>
+      <p:pic>
+        <p:nvPicPr>
+          <p:cNvPr id="14" name="Image 13" descr="Une image contenant équipement électronique, circuit&#10;&#10;Description générée automatiquement">
+            <a:extLst>
+              <a:ext uri="{FF2B5EF4-FFF2-40B4-BE49-F238E27FC236}">
+                <a16:creationId xmlns:a16="http://schemas.microsoft.com/office/drawing/2014/main" id="{3549E248-2B83-4E92-9E8C-F85F9A1DD286}"/>
+              </a:ext>
+            </a:extLst>
+          </p:cNvPr>
+          <p:cNvPicPr>
+            <a:picLocks noChangeAspect="1"/>
+          </p:cNvPicPr>
+          <p:nvPr/>
+        </p:nvPicPr>
+        <p:blipFill rotWithShape="1">
+          <a:blip r:embed="rId3">
+            <a:extLst>
+              <a:ext uri="{28A0092B-C50C-407E-A947-70E740481C1C}">
+                <a14:useLocalDpi xmlns:a14="http://schemas.microsoft.com/office/drawing/2010/main" val="0"/>
+              </a:ext>
+            </a:extLst>
+          </a:blip>
+          <a:srcRect l="4789" t="31495" r="4637" b="28506"/>
+          <a:stretch/>
+        </p:blipFill>
+        <p:spPr>
+          <a:xfrm>
+            <a:off x="2554014" y="1902666"/>
+            <a:ext cx="2461331" cy="1086984"/>
+          </a:xfrm>
+          <a:prstGeom prst="rect">
+            <a:avLst/>
+          </a:prstGeom>
+        </p:spPr>
+      </p:pic>
+      <p:pic>
+        <p:nvPicPr>
+          <p:cNvPr id="15" name="Image 14" descr="Une image contenant équipement électronique, circuit&#10;&#10;Description générée automatiquement">
+            <a:extLst>
+              <a:ext uri="{FF2B5EF4-FFF2-40B4-BE49-F238E27FC236}">
+                <a16:creationId xmlns:a16="http://schemas.microsoft.com/office/drawing/2014/main" id="{DD69FAFF-5C5E-40D3-BCBC-A5BD81B5AF66}"/>
+              </a:ext>
+            </a:extLst>
+          </p:cNvPr>
+          <p:cNvPicPr>
+            <a:picLocks noChangeAspect="1"/>
+          </p:cNvPicPr>
+          <p:nvPr/>
+        </p:nvPicPr>
+        <p:blipFill rotWithShape="1">
+          <a:blip r:embed="rId3">
+            <a:extLst>
+              <a:ext uri="{28A0092B-C50C-407E-A947-70E740481C1C}">
+                <a14:useLocalDpi xmlns:a14="http://schemas.microsoft.com/office/drawing/2010/main" val="0"/>
+              </a:ext>
+            </a:extLst>
+          </a:blip>
+          <a:srcRect l="4789" t="31495" r="4637" b="28506"/>
+          <a:stretch/>
+        </p:blipFill>
+        <p:spPr>
+          <a:xfrm>
+            <a:off x="2554014" y="3429000"/>
+            <a:ext cx="2461331" cy="1086984"/>
+          </a:xfrm>
+          <a:prstGeom prst="rect">
+            <a:avLst/>
+          </a:prstGeom>
+        </p:spPr>
+      </p:pic>
+      <p:pic>
+        <p:nvPicPr>
+          <p:cNvPr id="16" name="Image 15" descr="Une image contenant équipement électronique, circuit&#10;&#10;Description générée automatiquement">
+            <a:extLst>
+              <a:ext uri="{FF2B5EF4-FFF2-40B4-BE49-F238E27FC236}">
+                <a16:creationId xmlns:a16="http://schemas.microsoft.com/office/drawing/2014/main" id="{DF27DFB3-DF52-4235-B099-F9884184D5E9}"/>
+              </a:ext>
+            </a:extLst>
+          </p:cNvPr>
+          <p:cNvPicPr>
+            <a:picLocks noChangeAspect="1"/>
+          </p:cNvPicPr>
+          <p:nvPr/>
+        </p:nvPicPr>
+        <p:blipFill rotWithShape="1">
+          <a:blip r:embed="rId3">
+            <a:extLst>
+              <a:ext uri="{28A0092B-C50C-407E-A947-70E740481C1C}">
+                <a14:useLocalDpi xmlns:a14="http://schemas.microsoft.com/office/drawing/2010/main" val="0"/>
+              </a:ext>
+            </a:extLst>
+          </a:blip>
+          <a:srcRect l="4789" t="31495" r="4637" b="28506"/>
+          <a:stretch/>
+        </p:blipFill>
+        <p:spPr>
+          <a:xfrm>
+            <a:off x="2554013" y="4955334"/>
+            <a:ext cx="2461331" cy="1086984"/>
+          </a:xfrm>
+          <a:prstGeom prst="rect">
+            <a:avLst/>
+          </a:prstGeom>
+        </p:spPr>
+      </p:pic>
+      <p:pic>
+        <p:nvPicPr>
+          <p:cNvPr id="17" name="Image 16" descr="Une image contenant signe, dessin, horloge&#10;&#10;Description générée automatiquement">
+            <a:extLst>
+              <a:ext uri="{FF2B5EF4-FFF2-40B4-BE49-F238E27FC236}">
+                <a16:creationId xmlns:a16="http://schemas.microsoft.com/office/drawing/2014/main" id="{238F8756-E794-4E84-871F-EC6A218BBCDA}"/>
+              </a:ext>
+            </a:extLst>
+          </p:cNvPr>
+          <p:cNvPicPr>
+            <a:picLocks noChangeAspect="1"/>
+          </p:cNvPicPr>
+          <p:nvPr/>
+        </p:nvPicPr>
+        <p:blipFill>
+          <a:blip r:embed="rId4">
+            <a:extLst>
+              <a:ext uri="{28A0092B-C50C-407E-A947-70E740481C1C}">
+                <a14:useLocalDpi xmlns:a14="http://schemas.microsoft.com/office/drawing/2010/main" val="0"/>
+              </a:ext>
+            </a:extLst>
+          </a:blip>
+          <a:stretch>
+            <a:fillRect/>
+          </a:stretch>
+        </p:blipFill>
+        <p:spPr>
+          <a:xfrm>
+            <a:off x="5208155" y="381756"/>
+            <a:ext cx="777009" cy="956369"/>
+          </a:xfrm>
+          <a:prstGeom prst="rect">
+            <a:avLst/>
+          </a:prstGeom>
+        </p:spPr>
+      </p:pic>
+      <p:pic>
+        <p:nvPicPr>
+          <p:cNvPr id="18" name="Image 17" descr="Une image contenant signe, dessin, horloge&#10;&#10;Description générée automatiquement">
+            <a:extLst>
+              <a:ext uri="{FF2B5EF4-FFF2-40B4-BE49-F238E27FC236}">
+                <a16:creationId xmlns:a16="http://schemas.microsoft.com/office/drawing/2014/main" id="{A802CF75-FD40-471A-BF67-D55D979F563B}"/>
+              </a:ext>
+            </a:extLst>
+          </p:cNvPr>
+          <p:cNvPicPr>
+            <a:picLocks noChangeAspect="1"/>
+          </p:cNvPicPr>
+          <p:nvPr/>
+        </p:nvPicPr>
+        <p:blipFill>
+          <a:blip r:embed="rId4">
+            <a:extLst>
+              <a:ext uri="{28A0092B-C50C-407E-A947-70E740481C1C}">
+                <a14:useLocalDpi xmlns:a14="http://schemas.microsoft.com/office/drawing/2010/main" val="0"/>
+              </a:ext>
+            </a:extLst>
+          </a:blip>
+          <a:stretch>
+            <a:fillRect/>
+          </a:stretch>
+        </p:blipFill>
+        <p:spPr>
+          <a:xfrm>
+            <a:off x="5208155" y="1967973"/>
+            <a:ext cx="777009" cy="956369"/>
+          </a:xfrm>
+          <a:prstGeom prst="rect">
+            <a:avLst/>
+          </a:prstGeom>
+        </p:spPr>
+      </p:pic>
+      <p:pic>
+        <p:nvPicPr>
+          <p:cNvPr id="19" name="Image 18" descr="Une image contenant signe, dessin, horloge&#10;&#10;Description générée automatiquement">
+            <a:extLst>
+              <a:ext uri="{FF2B5EF4-FFF2-40B4-BE49-F238E27FC236}">
+                <a16:creationId xmlns:a16="http://schemas.microsoft.com/office/drawing/2014/main" id="{AC1AEA44-E00A-4C2E-A6E4-C6DCB458BBFF}"/>
+              </a:ext>
+            </a:extLst>
+          </p:cNvPr>
+          <p:cNvPicPr>
+            <a:picLocks noChangeAspect="1"/>
+          </p:cNvPicPr>
+          <p:nvPr/>
+        </p:nvPicPr>
+        <p:blipFill>
+          <a:blip r:embed="rId4">
+            <a:extLst>
+              <a:ext uri="{28A0092B-C50C-407E-A947-70E740481C1C}">
+                <a14:useLocalDpi xmlns:a14="http://schemas.microsoft.com/office/drawing/2010/main" val="0"/>
+              </a:ext>
+            </a:extLst>
+          </a:blip>
+          <a:stretch>
+            <a:fillRect/>
+          </a:stretch>
+        </p:blipFill>
+        <p:spPr>
+          <a:xfrm>
+            <a:off x="5208154" y="3494307"/>
+            <a:ext cx="777009" cy="956369"/>
+          </a:xfrm>
+          <a:prstGeom prst="rect">
+            <a:avLst/>
+          </a:prstGeom>
+        </p:spPr>
+      </p:pic>
+      <p:pic>
+        <p:nvPicPr>
+          <p:cNvPr id="20" name="Image 19" descr="Une image contenant signe, dessin, horloge&#10;&#10;Description générée automatiquement">
+            <a:extLst>
+              <a:ext uri="{FF2B5EF4-FFF2-40B4-BE49-F238E27FC236}">
+                <a16:creationId xmlns:a16="http://schemas.microsoft.com/office/drawing/2014/main" id="{ADF4FC4B-F38E-4045-B078-EB900123CF8A}"/>
+              </a:ext>
+            </a:extLst>
+          </p:cNvPr>
+          <p:cNvPicPr>
+            <a:picLocks noChangeAspect="1"/>
+          </p:cNvPicPr>
+          <p:nvPr/>
+        </p:nvPicPr>
+        <p:blipFill>
+          <a:blip r:embed="rId4">
+            <a:extLst>
+              <a:ext uri="{28A0092B-C50C-407E-A947-70E740481C1C}">
+                <a14:useLocalDpi xmlns:a14="http://schemas.microsoft.com/office/drawing/2010/main" val="0"/>
+              </a:ext>
+            </a:extLst>
+          </a:blip>
+          <a:stretch>
+            <a:fillRect/>
+          </a:stretch>
+        </p:blipFill>
+        <p:spPr>
+          <a:xfrm>
+            <a:off x="5208153" y="5020641"/>
+            <a:ext cx="777009" cy="956369"/>
+          </a:xfrm>
+          <a:prstGeom prst="rect">
+            <a:avLst/>
+          </a:prstGeom>
+        </p:spPr>
+      </p:pic>
+      <p:cxnSp>
+        <p:nvCxnSpPr>
+          <p:cNvPr id="21" name="Connecteur droit avec flèche 20">
+            <a:extLst>
+              <a:ext uri="{FF2B5EF4-FFF2-40B4-BE49-F238E27FC236}">
+                <a16:creationId xmlns:a16="http://schemas.microsoft.com/office/drawing/2014/main" id="{12A74634-0DE2-464D-B5E0-F82F2DB41D4F}"/>
+              </a:ext>
+            </a:extLst>
+          </p:cNvPr>
+          <p:cNvCxnSpPr>
+            <a:cxnSpLocks/>
+            <a:stCxn id="17" idx="3"/>
+            <a:endCxn id="9" idx="1"/>
+          </p:cNvCxnSpPr>
+          <p:nvPr/>
+        </p:nvCxnSpPr>
+        <p:spPr>
+          <a:xfrm>
+            <a:off x="5985164" y="859941"/>
+            <a:ext cx="4385448" cy="2329407"/>
+          </a:xfrm>
+          <a:prstGeom prst="straightConnector1">
+            <a:avLst/>
+          </a:prstGeom>
+          <a:ln w="38100">
+            <a:solidFill>
+              <a:srgbClr val="002060"/>
+            </a:solidFill>
+            <a:tailEnd type="triangle"/>
+          </a:ln>
+        </p:spPr>
+        <p:style>
+          <a:lnRef idx="1">
+            <a:schemeClr val="accent6"/>
+          </a:lnRef>
+          <a:fillRef idx="0">
+            <a:schemeClr val="accent6"/>
+          </a:fillRef>
+          <a:effectRef idx="0">
+            <a:schemeClr val="accent6"/>
+          </a:effectRef>
+          <a:fontRef idx="minor">
+            <a:schemeClr val="tx1"/>
+          </a:fontRef>
+        </p:style>
+      </p:cxnSp>
+      <p:cxnSp>
+        <p:nvCxnSpPr>
+          <p:cNvPr id="24" name="Connecteur droit avec flèche 23">
+            <a:extLst>
+              <a:ext uri="{FF2B5EF4-FFF2-40B4-BE49-F238E27FC236}">
+                <a16:creationId xmlns:a16="http://schemas.microsoft.com/office/drawing/2014/main" id="{27FFA943-A06F-49EC-9EFD-E4EA0C8D6529}"/>
+              </a:ext>
+            </a:extLst>
+          </p:cNvPr>
+          <p:cNvCxnSpPr>
+            <a:cxnSpLocks/>
+            <a:stCxn id="18" idx="3"/>
+            <a:endCxn id="9" idx="1"/>
+          </p:cNvCxnSpPr>
+          <p:nvPr/>
+        </p:nvCxnSpPr>
+        <p:spPr>
+          <a:xfrm>
+            <a:off x="5985164" y="2446158"/>
+            <a:ext cx="4385448" cy="743190"/>
+          </a:xfrm>
+          <a:prstGeom prst="straightConnector1">
+            <a:avLst/>
+          </a:prstGeom>
+          <a:ln w="38100">
+            <a:solidFill>
+              <a:srgbClr val="002060"/>
+            </a:solidFill>
+            <a:tailEnd type="triangle"/>
+          </a:ln>
+        </p:spPr>
+        <p:style>
+          <a:lnRef idx="1">
+            <a:schemeClr val="accent6"/>
+          </a:lnRef>
+          <a:fillRef idx="0">
+            <a:schemeClr val="accent6"/>
+          </a:fillRef>
+          <a:effectRef idx="0">
+            <a:schemeClr val="accent6"/>
+          </a:effectRef>
+          <a:fontRef idx="minor">
+            <a:schemeClr val="tx1"/>
+          </a:fontRef>
+        </p:style>
+      </p:cxnSp>
+      <p:cxnSp>
+        <p:nvCxnSpPr>
+          <p:cNvPr id="27" name="Connecteur droit avec flèche 26">
+            <a:extLst>
+              <a:ext uri="{FF2B5EF4-FFF2-40B4-BE49-F238E27FC236}">
+                <a16:creationId xmlns:a16="http://schemas.microsoft.com/office/drawing/2014/main" id="{C88C575F-A087-4E6F-A993-6DBA934B0C85}"/>
+              </a:ext>
+            </a:extLst>
+          </p:cNvPr>
+          <p:cNvCxnSpPr>
+            <a:cxnSpLocks/>
+            <a:stCxn id="19" idx="3"/>
+            <a:endCxn id="9" idx="1"/>
+          </p:cNvCxnSpPr>
+          <p:nvPr/>
+        </p:nvCxnSpPr>
+        <p:spPr>
+          <a:xfrm flipV="1">
+            <a:off x="5985163" y="3189348"/>
+            <a:ext cx="4385449" cy="783144"/>
+          </a:xfrm>
+          <a:prstGeom prst="straightConnector1">
+            <a:avLst/>
+          </a:prstGeom>
+          <a:ln w="38100">
+            <a:solidFill>
+              <a:srgbClr val="002060"/>
+            </a:solidFill>
+            <a:tailEnd type="triangle"/>
+          </a:ln>
+        </p:spPr>
+        <p:style>
+          <a:lnRef idx="1">
+            <a:schemeClr val="accent6"/>
+          </a:lnRef>
+          <a:fillRef idx="0">
+            <a:schemeClr val="accent6"/>
+          </a:fillRef>
+          <a:effectRef idx="0">
+            <a:schemeClr val="accent6"/>
+          </a:effectRef>
+          <a:fontRef idx="minor">
+            <a:schemeClr val="tx1"/>
+          </a:fontRef>
+        </p:style>
+      </p:cxnSp>
+      <p:cxnSp>
+        <p:nvCxnSpPr>
+          <p:cNvPr id="30" name="Connecteur droit avec flèche 29">
+            <a:extLst>
+              <a:ext uri="{FF2B5EF4-FFF2-40B4-BE49-F238E27FC236}">
+                <a16:creationId xmlns:a16="http://schemas.microsoft.com/office/drawing/2014/main" id="{B12FF9ED-3E3C-4846-B8FD-9F3C9381490A}"/>
+              </a:ext>
+            </a:extLst>
+          </p:cNvPr>
+          <p:cNvCxnSpPr>
+            <a:cxnSpLocks/>
+            <a:stCxn id="20" idx="3"/>
+            <a:endCxn id="9" idx="1"/>
+          </p:cNvCxnSpPr>
+          <p:nvPr/>
+        </p:nvCxnSpPr>
+        <p:spPr>
+          <a:xfrm flipV="1">
+            <a:off x="5985162" y="3189348"/>
+            <a:ext cx="4385450" cy="2309478"/>
+          </a:xfrm>
+          <a:prstGeom prst="straightConnector1">
+            <a:avLst/>
+          </a:prstGeom>
+          <a:ln w="38100">
+            <a:solidFill>
+              <a:srgbClr val="002060"/>
+            </a:solidFill>
+            <a:tailEnd type="triangle"/>
+          </a:ln>
+        </p:spPr>
+        <p:style>
+          <a:lnRef idx="1">
+            <a:schemeClr val="accent6"/>
+          </a:lnRef>
+          <a:fillRef idx="0">
+            <a:schemeClr val="accent6"/>
+          </a:fillRef>
+          <a:effectRef idx="0">
+            <a:schemeClr val="accent6"/>
+          </a:effectRef>
+          <a:fontRef idx="minor">
+            <a:schemeClr val="tx1"/>
+          </a:fontRef>
+        </p:style>
+      </p:cxnSp>
+      <p:pic>
+        <p:nvPicPr>
+          <p:cNvPr id="34" name="Graphique 33" descr="Papier">
+            <a:extLst>
+              <a:ext uri="{FF2B5EF4-FFF2-40B4-BE49-F238E27FC236}">
+                <a16:creationId xmlns:a16="http://schemas.microsoft.com/office/drawing/2014/main" id="{78E0127B-4416-4DAC-9B64-F9F6665701F7}"/>
+              </a:ext>
+            </a:extLst>
+          </p:cNvPr>
+          <p:cNvPicPr>
+            <a:picLocks noChangeAspect="1"/>
+          </p:cNvPicPr>
+          <p:nvPr/>
+        </p:nvPicPr>
+        <p:blipFill>
+          <a:blip r:embed="rId5">
+            <a:extLst>
+              <a:ext uri="{28A0092B-C50C-407E-A947-70E740481C1C}">
+                <a14:useLocalDpi xmlns:a14="http://schemas.microsoft.com/office/drawing/2010/main" val="0"/>
+              </a:ext>
+              <a:ext uri="{96DAC541-7B7A-43D3-8B79-37D633B846F1}">
+                <asvg:svgBlip xmlns:asvg="http://schemas.microsoft.com/office/drawing/2016/SVG/main" r:embed="rId6"/>
+              </a:ext>
+            </a:extLst>
+          </a:blip>
+          <a:srcRect/>
+          <a:stretch/>
+        </p:blipFill>
+        <p:spPr>
+          <a:xfrm>
+            <a:off x="1872852" y="609521"/>
+            <a:ext cx="584755" cy="584755"/>
+          </a:xfrm>
+          <a:prstGeom prst="rect">
+            <a:avLst/>
+          </a:prstGeom>
+        </p:spPr>
+      </p:pic>
+      <p:sp>
+        <p:nvSpPr>
+          <p:cNvPr id="35" name="ZoneTexte 34">
+            <a:extLst>
+              <a:ext uri="{FF2B5EF4-FFF2-40B4-BE49-F238E27FC236}">
+                <a16:creationId xmlns:a16="http://schemas.microsoft.com/office/drawing/2014/main" id="{0AF84043-9293-4611-B95B-B9DEDE3B4610}"/>
+              </a:ext>
+            </a:extLst>
+          </p:cNvPr>
+          <p:cNvSpPr txBox="1"/>
+          <p:nvPr/>
+        </p:nvSpPr>
+        <p:spPr>
+          <a:xfrm>
+            <a:off x="1716667" y="1174079"/>
+            <a:ext cx="924385" cy="276999"/>
+          </a:xfrm>
+          <a:prstGeom prst="rect">
+            <a:avLst/>
+          </a:prstGeom>
+          <a:noFill/>
+        </p:spPr>
+        <p:txBody>
+          <a:bodyPr wrap="square" rtlCol="0">
+            <a:spAutoFit/>
+          </a:bodyPr>
+          <a:lstStyle/>
+          <a:p>
+            <a:r>
+              <a:rPr lang="fr-FR" sz="1200" dirty="0">
+                <a:latin typeface="Abadi Extra Light" panose="020B0204020104020204" pitchFamily="34" charset="0"/>
+              </a:rPr>
+              <a:t>New </a:t>
+            </a:r>
+            <a:r>
+              <a:rPr lang="fr-FR" sz="1200" dirty="0" err="1">
+                <a:latin typeface="Abadi Extra Light" panose="020B0204020104020204" pitchFamily="34" charset="0"/>
+              </a:rPr>
+              <a:t>Build</a:t>
+            </a:r>
+            <a:endParaRPr lang="fr-FR" sz="1200" dirty="0">
+              <a:latin typeface="Abadi Extra Light" panose="020B0204020104020204" pitchFamily="34" charset="0"/>
+            </a:endParaRPr>
+          </a:p>
+        </p:txBody>
+      </p:sp>
+      <p:pic>
+        <p:nvPicPr>
+          <p:cNvPr id="36" name="Graphique 35" descr="Papier">
+            <a:extLst>
+              <a:ext uri="{FF2B5EF4-FFF2-40B4-BE49-F238E27FC236}">
+                <a16:creationId xmlns:a16="http://schemas.microsoft.com/office/drawing/2014/main" id="{15A06FD1-5C0E-4B90-A969-68FB10A4E588}"/>
+              </a:ext>
+            </a:extLst>
+          </p:cNvPr>
+          <p:cNvPicPr>
+            <a:picLocks noChangeAspect="1"/>
+          </p:cNvPicPr>
+          <p:nvPr/>
+        </p:nvPicPr>
+        <p:blipFill>
+          <a:blip r:embed="rId5">
+            <a:extLst>
+              <a:ext uri="{28A0092B-C50C-407E-A947-70E740481C1C}">
+                <a14:useLocalDpi xmlns:a14="http://schemas.microsoft.com/office/drawing/2010/main" val="0"/>
+              </a:ext>
+              <a:ext uri="{96DAC541-7B7A-43D3-8B79-37D633B846F1}">
+                <asvg:svgBlip xmlns:asvg="http://schemas.microsoft.com/office/drawing/2016/SVG/main" r:embed="rId6"/>
+              </a:ext>
+            </a:extLst>
+          </a:blip>
+          <a:srcRect/>
+          <a:stretch/>
+        </p:blipFill>
+        <p:spPr>
+          <a:xfrm>
+            <a:off x="1815978" y="1977230"/>
+            <a:ext cx="584755" cy="584755"/>
+          </a:xfrm>
+          <a:prstGeom prst="rect">
+            <a:avLst/>
+          </a:prstGeom>
+        </p:spPr>
+      </p:pic>
+      <p:sp>
+        <p:nvSpPr>
+          <p:cNvPr id="37" name="ZoneTexte 36">
+            <a:extLst>
+              <a:ext uri="{FF2B5EF4-FFF2-40B4-BE49-F238E27FC236}">
+                <a16:creationId xmlns:a16="http://schemas.microsoft.com/office/drawing/2014/main" id="{D44B213D-93A4-41DE-AB17-F4DCF7490B80}"/>
+              </a:ext>
+            </a:extLst>
+          </p:cNvPr>
+          <p:cNvSpPr txBox="1"/>
+          <p:nvPr/>
+        </p:nvSpPr>
+        <p:spPr>
+          <a:xfrm>
+            <a:off x="1716667" y="2504660"/>
+            <a:ext cx="924385" cy="276999"/>
+          </a:xfrm>
+          <a:prstGeom prst="rect">
+            <a:avLst/>
+          </a:prstGeom>
+          <a:noFill/>
+        </p:spPr>
+        <p:txBody>
+          <a:bodyPr wrap="square" rtlCol="0">
+            <a:spAutoFit/>
+          </a:bodyPr>
+          <a:lstStyle/>
+          <a:p>
+            <a:r>
+              <a:rPr lang="fr-FR" sz="1200" dirty="0">
+                <a:latin typeface="Abadi Extra Light" panose="020B0204020104020204" pitchFamily="34" charset="0"/>
+              </a:rPr>
+              <a:t>New </a:t>
+            </a:r>
+            <a:r>
+              <a:rPr lang="fr-FR" sz="1200" dirty="0" err="1">
+                <a:latin typeface="Abadi Extra Light" panose="020B0204020104020204" pitchFamily="34" charset="0"/>
+              </a:rPr>
+              <a:t>Build</a:t>
+            </a:r>
+            <a:endParaRPr lang="fr-FR" sz="1200" dirty="0">
+              <a:latin typeface="Abadi Extra Light" panose="020B0204020104020204" pitchFamily="34" charset="0"/>
+            </a:endParaRPr>
+          </a:p>
+        </p:txBody>
+      </p:sp>
+      <p:pic>
+        <p:nvPicPr>
+          <p:cNvPr id="38" name="Graphique 37" descr="Papier">
+            <a:extLst>
+              <a:ext uri="{FF2B5EF4-FFF2-40B4-BE49-F238E27FC236}">
+                <a16:creationId xmlns:a16="http://schemas.microsoft.com/office/drawing/2014/main" id="{787C07FD-0494-4D78-AA6C-AD31DB7CDE2A}"/>
+              </a:ext>
+            </a:extLst>
+          </p:cNvPr>
+          <p:cNvPicPr>
+            <a:picLocks noChangeAspect="1"/>
+          </p:cNvPicPr>
+          <p:nvPr/>
+        </p:nvPicPr>
+        <p:blipFill>
+          <a:blip r:embed="rId5">
+            <a:extLst>
+              <a:ext uri="{28A0092B-C50C-407E-A947-70E740481C1C}">
+                <a14:useLocalDpi xmlns:a14="http://schemas.microsoft.com/office/drawing/2010/main" val="0"/>
+              </a:ext>
+              <a:ext uri="{96DAC541-7B7A-43D3-8B79-37D633B846F1}">
+                <asvg:svgBlip xmlns:asvg="http://schemas.microsoft.com/office/drawing/2016/SVG/main" r:embed="rId6"/>
+              </a:ext>
+            </a:extLst>
+          </a:blip>
+          <a:srcRect/>
+          <a:stretch/>
+        </p:blipFill>
+        <p:spPr>
+          <a:xfrm>
+            <a:off x="1815978" y="3494307"/>
+            <a:ext cx="584755" cy="584755"/>
+          </a:xfrm>
+          <a:prstGeom prst="rect">
+            <a:avLst/>
+          </a:prstGeom>
+        </p:spPr>
+      </p:pic>
+      <p:sp>
+        <p:nvSpPr>
+          <p:cNvPr id="39" name="ZoneTexte 38">
+            <a:extLst>
+              <a:ext uri="{FF2B5EF4-FFF2-40B4-BE49-F238E27FC236}">
+                <a16:creationId xmlns:a16="http://schemas.microsoft.com/office/drawing/2014/main" id="{FEDE1ACA-CFBB-4A99-8EEE-AC7C45BDBA6D}"/>
+              </a:ext>
+            </a:extLst>
+          </p:cNvPr>
+          <p:cNvSpPr txBox="1"/>
+          <p:nvPr/>
+        </p:nvSpPr>
+        <p:spPr>
+          <a:xfrm>
+            <a:off x="1716667" y="4021737"/>
+            <a:ext cx="924385" cy="276999"/>
+          </a:xfrm>
+          <a:prstGeom prst="rect">
+            <a:avLst/>
+          </a:prstGeom>
+          <a:noFill/>
+        </p:spPr>
+        <p:txBody>
+          <a:bodyPr wrap="square" rtlCol="0">
+            <a:spAutoFit/>
+          </a:bodyPr>
+          <a:lstStyle/>
+          <a:p>
+            <a:r>
+              <a:rPr lang="fr-FR" sz="1200" dirty="0">
+                <a:latin typeface="Abadi Extra Light" panose="020B0204020104020204" pitchFamily="34" charset="0"/>
+              </a:rPr>
+              <a:t>New </a:t>
+            </a:r>
+            <a:r>
+              <a:rPr lang="fr-FR" sz="1200" dirty="0" err="1">
+                <a:latin typeface="Abadi Extra Light" panose="020B0204020104020204" pitchFamily="34" charset="0"/>
+              </a:rPr>
+              <a:t>Build</a:t>
+            </a:r>
+            <a:endParaRPr lang="fr-FR" sz="1200" dirty="0">
+              <a:latin typeface="Abadi Extra Light" panose="020B0204020104020204" pitchFamily="34" charset="0"/>
+            </a:endParaRPr>
+          </a:p>
+        </p:txBody>
+      </p:sp>
+      <p:pic>
+        <p:nvPicPr>
+          <p:cNvPr id="40" name="Graphique 39" descr="Papier">
+            <a:extLst>
+              <a:ext uri="{FF2B5EF4-FFF2-40B4-BE49-F238E27FC236}">
+                <a16:creationId xmlns:a16="http://schemas.microsoft.com/office/drawing/2014/main" id="{89F5FCCA-FBC3-4534-BD0B-109FF66F0279}"/>
+              </a:ext>
+            </a:extLst>
+          </p:cNvPr>
+          <p:cNvPicPr>
+            <a:picLocks noChangeAspect="1"/>
+          </p:cNvPicPr>
+          <p:nvPr/>
+        </p:nvPicPr>
+        <p:blipFill>
+          <a:blip r:embed="rId5">
+            <a:extLst>
+              <a:ext uri="{28A0092B-C50C-407E-A947-70E740481C1C}">
+                <a14:useLocalDpi xmlns:a14="http://schemas.microsoft.com/office/drawing/2010/main" val="0"/>
+              </a:ext>
+              <a:ext uri="{96DAC541-7B7A-43D3-8B79-37D633B846F1}">
+                <asvg:svgBlip xmlns:asvg="http://schemas.microsoft.com/office/drawing/2016/SVG/main" r:embed="rId6"/>
+              </a:ext>
+            </a:extLst>
+          </a:blip>
+          <a:srcRect/>
+          <a:stretch/>
+        </p:blipFill>
+        <p:spPr>
+          <a:xfrm>
+            <a:off x="1815978" y="5146270"/>
+            <a:ext cx="584755" cy="584755"/>
+          </a:xfrm>
+          <a:prstGeom prst="rect">
+            <a:avLst/>
+          </a:prstGeom>
+        </p:spPr>
+      </p:pic>
+      <p:sp>
+        <p:nvSpPr>
+          <p:cNvPr id="41" name="ZoneTexte 40">
+            <a:extLst>
+              <a:ext uri="{FF2B5EF4-FFF2-40B4-BE49-F238E27FC236}">
+                <a16:creationId xmlns:a16="http://schemas.microsoft.com/office/drawing/2014/main" id="{F5A4A251-5EF4-40EB-A884-B35A491CF684}"/>
+              </a:ext>
+            </a:extLst>
+          </p:cNvPr>
+          <p:cNvSpPr txBox="1"/>
+          <p:nvPr/>
+        </p:nvSpPr>
+        <p:spPr>
+          <a:xfrm>
+            <a:off x="1716667" y="5673700"/>
+            <a:ext cx="924385" cy="276999"/>
+          </a:xfrm>
+          <a:prstGeom prst="rect">
+            <a:avLst/>
+          </a:prstGeom>
+          <a:noFill/>
+        </p:spPr>
+        <p:txBody>
+          <a:bodyPr wrap="square" rtlCol="0">
+            <a:spAutoFit/>
+          </a:bodyPr>
+          <a:lstStyle/>
+          <a:p>
+            <a:r>
+              <a:rPr lang="fr-FR" sz="1200" dirty="0">
+                <a:latin typeface="Abadi Extra Light" panose="020B0204020104020204" pitchFamily="34" charset="0"/>
+              </a:rPr>
+              <a:t>New </a:t>
+            </a:r>
+            <a:r>
+              <a:rPr lang="fr-FR" sz="1200" dirty="0" err="1">
+                <a:latin typeface="Abadi Extra Light" panose="020B0204020104020204" pitchFamily="34" charset="0"/>
+              </a:rPr>
+              <a:t>Build</a:t>
+            </a:r>
+            <a:endParaRPr lang="fr-FR" sz="1200" dirty="0">
+              <a:latin typeface="Abadi Extra Light" panose="020B0204020104020204" pitchFamily="34" charset="0"/>
+            </a:endParaRPr>
+          </a:p>
+        </p:txBody>
+      </p:sp>
+      <p:sp>
+        <p:nvSpPr>
+          <p:cNvPr id="42" name="ZoneTexte 41">
+            <a:extLst>
+              <a:ext uri="{FF2B5EF4-FFF2-40B4-BE49-F238E27FC236}">
+                <a16:creationId xmlns:a16="http://schemas.microsoft.com/office/drawing/2014/main" id="{9B955509-2546-4297-9F76-19F93708173A}"/>
+              </a:ext>
+            </a:extLst>
+          </p:cNvPr>
+          <p:cNvSpPr txBox="1"/>
+          <p:nvPr/>
+        </p:nvSpPr>
+        <p:spPr>
+          <a:xfrm rot="1760022">
+            <a:off x="7062560" y="1437593"/>
+            <a:ext cx="1445491" cy="369332"/>
+          </a:xfrm>
+          <a:prstGeom prst="rect">
+            <a:avLst/>
+          </a:prstGeom>
+          <a:noFill/>
+        </p:spPr>
+        <p:txBody>
+          <a:bodyPr wrap="square" rtlCol="0">
+            <a:spAutoFit/>
+          </a:bodyPr>
+          <a:lstStyle/>
+          <a:p>
+            <a:r>
+              <a:rPr lang="fr-FR" i="1" dirty="0">
+                <a:latin typeface="Abadi Extra Light" panose="020B0204020104020204" pitchFamily="34" charset="0"/>
+              </a:rPr>
+              <a:t>Ansible Pull</a:t>
+            </a:r>
+          </a:p>
+        </p:txBody>
+      </p:sp>
+      <p:sp>
+        <p:nvSpPr>
+          <p:cNvPr id="43" name="ZoneTexte 42">
+            <a:extLst>
+              <a:ext uri="{FF2B5EF4-FFF2-40B4-BE49-F238E27FC236}">
+                <a16:creationId xmlns:a16="http://schemas.microsoft.com/office/drawing/2014/main" id="{7CE79F85-E17C-456B-8A66-4402EEA0D1FF}"/>
+              </a:ext>
+            </a:extLst>
+          </p:cNvPr>
+          <p:cNvSpPr txBox="1"/>
+          <p:nvPr/>
+        </p:nvSpPr>
+        <p:spPr>
+          <a:xfrm rot="653496">
+            <a:off x="6721878" y="2339846"/>
+            <a:ext cx="1445491" cy="369332"/>
+          </a:xfrm>
+          <a:prstGeom prst="rect">
+            <a:avLst/>
+          </a:prstGeom>
+          <a:noFill/>
+        </p:spPr>
+        <p:txBody>
+          <a:bodyPr wrap="square" rtlCol="0">
+            <a:spAutoFit/>
+          </a:bodyPr>
+          <a:lstStyle/>
+          <a:p>
+            <a:r>
+              <a:rPr lang="fr-FR" i="1" dirty="0">
+                <a:latin typeface="Abadi Extra Light" panose="020B0204020104020204" pitchFamily="34" charset="0"/>
+              </a:rPr>
+              <a:t>Ansible Pull</a:t>
+            </a:r>
+          </a:p>
+        </p:txBody>
+      </p:sp>
+      <p:sp>
+        <p:nvSpPr>
+          <p:cNvPr id="44" name="ZoneTexte 43">
+            <a:extLst>
+              <a:ext uri="{FF2B5EF4-FFF2-40B4-BE49-F238E27FC236}">
+                <a16:creationId xmlns:a16="http://schemas.microsoft.com/office/drawing/2014/main" id="{B79179F7-679F-43BD-A3C0-781DDBD39CED}"/>
+              </a:ext>
+            </a:extLst>
+          </p:cNvPr>
+          <p:cNvSpPr txBox="1"/>
+          <p:nvPr/>
+        </p:nvSpPr>
+        <p:spPr>
+          <a:xfrm rot="20965939">
+            <a:off x="6551571" y="3415611"/>
+            <a:ext cx="1445491" cy="369332"/>
+          </a:xfrm>
+          <a:prstGeom prst="rect">
+            <a:avLst/>
+          </a:prstGeom>
+          <a:noFill/>
+        </p:spPr>
+        <p:txBody>
+          <a:bodyPr wrap="square" rtlCol="0">
+            <a:spAutoFit/>
+          </a:bodyPr>
+          <a:lstStyle/>
+          <a:p>
+            <a:r>
+              <a:rPr lang="fr-FR" i="1" dirty="0">
+                <a:latin typeface="Abadi Extra Light" panose="020B0204020104020204" pitchFamily="34" charset="0"/>
+              </a:rPr>
+              <a:t>Ansible Pull</a:t>
+            </a:r>
+          </a:p>
+        </p:txBody>
+      </p:sp>
+      <p:sp>
+        <p:nvSpPr>
+          <p:cNvPr id="45" name="ZoneTexte 44">
+            <a:extLst>
+              <a:ext uri="{FF2B5EF4-FFF2-40B4-BE49-F238E27FC236}">
+                <a16:creationId xmlns:a16="http://schemas.microsoft.com/office/drawing/2014/main" id="{688B1E91-E609-4CC1-8ADF-C9DEE40AF48E}"/>
+              </a:ext>
+            </a:extLst>
+          </p:cNvPr>
+          <p:cNvSpPr txBox="1"/>
+          <p:nvPr/>
+        </p:nvSpPr>
+        <p:spPr>
+          <a:xfrm rot="19958464">
+            <a:off x="6796390" y="4334998"/>
+            <a:ext cx="1445491" cy="369332"/>
+          </a:xfrm>
+          <a:prstGeom prst="rect">
+            <a:avLst/>
+          </a:prstGeom>
+          <a:noFill/>
+        </p:spPr>
+        <p:txBody>
+          <a:bodyPr wrap="square" rtlCol="0">
+            <a:spAutoFit/>
+          </a:bodyPr>
+          <a:lstStyle/>
+          <a:p>
+            <a:r>
+              <a:rPr lang="fr-FR" i="1" dirty="0">
+                <a:latin typeface="Abadi Extra Light" panose="020B0204020104020204" pitchFamily="34" charset="0"/>
+              </a:rPr>
+              <a:t>Ansible Pull</a:t>
+            </a:r>
+          </a:p>
+        </p:txBody>
+      </p:sp>
+    </p:spTree>
+    <p:extLst>
+      <p:ext uri="{BB962C8B-B14F-4D97-AF65-F5344CB8AC3E}">
+        <p14:creationId xmlns:p14="http://schemas.microsoft.com/office/powerpoint/2010/main" val="3616063655"/>
       </p:ext>
     </p:extLst>
   </p:cSld>
